--- a/results.pptx
+++ b/results.pptx
@@ -11,6 +11,12 @@
     <p:sldId id="258" r:id="rId5"/>
     <p:sldId id="259" r:id="rId6"/>
     <p:sldId id="260" r:id="rId7"/>
+    <p:sldId id="264" r:id="rId8"/>
+    <p:sldId id="265" r:id="rId9"/>
+    <p:sldId id="262" r:id="rId10"/>
+    <p:sldId id="267" r:id="rId11"/>
+    <p:sldId id="266" r:id="rId12"/>
+    <p:sldId id="263" r:id="rId13"/>
   </p:sldIdLst>
   <p:sldSz cx="12192000" cy="6858000"/>
   <p:notesSz cx="6858000" cy="9144000"/>
@@ -109,6 +115,11 @@
       </a:defRPr>
     </a:lvl9pPr>
   </p:defaultTextStyle>
+  <p:extLst>
+    <p:ext uri="{EFAFB233-063F-42B5-8137-9DF3F51BA10A}">
+      <p15:sldGuideLst xmlns:p15="http://schemas.microsoft.com/office/powerpoint/2012/main"/>
+    </p:ext>
+  </p:extLst>
 </p:presentation>
 </file>
 
@@ -259,7 +270,7 @@
           <a:p>
             <a:fld id="{DAABEDCD-67F0-4209-BAB4-F65DEDC0F01B}" type="datetimeFigureOut">
               <a:rPr lang="en-US" smtClean="0"/>
-              <a:t>3/8/2022</a:t>
+              <a:t>3/15/2022</a:t>
             </a:fld>
             <a:endParaRPr lang="en-US"/>
           </a:p>
@@ -457,7 +468,7 @@
           <a:p>
             <a:fld id="{DAABEDCD-67F0-4209-BAB4-F65DEDC0F01B}" type="datetimeFigureOut">
               <a:rPr lang="en-US" smtClean="0"/>
-              <a:t>3/8/2022</a:t>
+              <a:t>3/15/2022</a:t>
             </a:fld>
             <a:endParaRPr lang="en-US"/>
           </a:p>
@@ -665,7 +676,7 @@
           <a:p>
             <a:fld id="{DAABEDCD-67F0-4209-BAB4-F65DEDC0F01B}" type="datetimeFigureOut">
               <a:rPr lang="en-US" smtClean="0"/>
-              <a:t>3/8/2022</a:t>
+              <a:t>3/15/2022</a:t>
             </a:fld>
             <a:endParaRPr lang="en-US"/>
           </a:p>
@@ -863,7 +874,7 @@
           <a:p>
             <a:fld id="{DAABEDCD-67F0-4209-BAB4-F65DEDC0F01B}" type="datetimeFigureOut">
               <a:rPr lang="en-US" smtClean="0"/>
-              <a:t>3/8/2022</a:t>
+              <a:t>3/15/2022</a:t>
             </a:fld>
             <a:endParaRPr lang="en-US"/>
           </a:p>
@@ -1138,7 +1149,7 @@
           <a:p>
             <a:fld id="{DAABEDCD-67F0-4209-BAB4-F65DEDC0F01B}" type="datetimeFigureOut">
               <a:rPr lang="en-US" smtClean="0"/>
-              <a:t>3/8/2022</a:t>
+              <a:t>3/15/2022</a:t>
             </a:fld>
             <a:endParaRPr lang="en-US"/>
           </a:p>
@@ -1403,7 +1414,7 @@
           <a:p>
             <a:fld id="{DAABEDCD-67F0-4209-BAB4-F65DEDC0F01B}" type="datetimeFigureOut">
               <a:rPr lang="en-US" smtClean="0"/>
-              <a:t>3/8/2022</a:t>
+              <a:t>3/15/2022</a:t>
             </a:fld>
             <a:endParaRPr lang="en-US"/>
           </a:p>
@@ -1815,7 +1826,7 @@
           <a:p>
             <a:fld id="{DAABEDCD-67F0-4209-BAB4-F65DEDC0F01B}" type="datetimeFigureOut">
               <a:rPr lang="en-US" smtClean="0"/>
-              <a:t>3/8/2022</a:t>
+              <a:t>3/15/2022</a:t>
             </a:fld>
             <a:endParaRPr lang="en-US"/>
           </a:p>
@@ -1956,7 +1967,7 @@
           <a:p>
             <a:fld id="{DAABEDCD-67F0-4209-BAB4-F65DEDC0F01B}" type="datetimeFigureOut">
               <a:rPr lang="en-US" smtClean="0"/>
-              <a:t>3/8/2022</a:t>
+              <a:t>3/15/2022</a:t>
             </a:fld>
             <a:endParaRPr lang="en-US"/>
           </a:p>
@@ -2069,7 +2080,7 @@
           <a:p>
             <a:fld id="{DAABEDCD-67F0-4209-BAB4-F65DEDC0F01B}" type="datetimeFigureOut">
               <a:rPr lang="en-US" smtClean="0"/>
-              <a:t>3/8/2022</a:t>
+              <a:t>3/15/2022</a:t>
             </a:fld>
             <a:endParaRPr lang="en-US"/>
           </a:p>
@@ -2380,7 +2391,7 @@
           <a:p>
             <a:fld id="{DAABEDCD-67F0-4209-BAB4-F65DEDC0F01B}" type="datetimeFigureOut">
               <a:rPr lang="en-US" smtClean="0"/>
-              <a:t>3/8/2022</a:t>
+              <a:t>3/15/2022</a:t>
             </a:fld>
             <a:endParaRPr lang="en-US"/>
           </a:p>
@@ -2668,7 +2679,7 @@
           <a:p>
             <a:fld id="{DAABEDCD-67F0-4209-BAB4-F65DEDC0F01B}" type="datetimeFigureOut">
               <a:rPr lang="en-US" smtClean="0"/>
-              <a:t>3/8/2022</a:t>
+              <a:t>3/15/2022</a:t>
             </a:fld>
             <a:endParaRPr lang="en-US"/>
           </a:p>
@@ -2909,7 +2920,7 @@
           <a:p>
             <a:fld id="{DAABEDCD-67F0-4209-BAB4-F65DEDC0F01B}" type="datetimeFigureOut">
               <a:rPr lang="en-US" smtClean="0"/>
-              <a:t>3/8/2022</a:t>
+              <a:t>3/15/2022</a:t>
             </a:fld>
             <a:endParaRPr lang="en-US"/>
           </a:p>
@@ -3392,6 +3403,420 @@
 </p:sld>
 </file>
 
+<file path=ppt/slides/slide10.xml><?xml version="1.0" encoding="utf-8"?>
+<p:sld xmlns:a="http://schemas.openxmlformats.org/drawingml/2006/main" xmlns:r="http://schemas.openxmlformats.org/officeDocument/2006/relationships" xmlns:p="http://schemas.openxmlformats.org/presentationml/2006/main">
+  <p:cSld>
+    <p:spTree>
+      <p:nvGrpSpPr>
+        <p:cNvPr id="1" name=""/>
+        <p:cNvGrpSpPr/>
+        <p:nvPr/>
+      </p:nvGrpSpPr>
+      <p:grpSpPr>
+        <a:xfrm>
+          <a:off x="0" y="0"/>
+          <a:ext cx="0" cy="0"/>
+          <a:chOff x="0" y="0"/>
+          <a:chExt cx="0" cy="0"/>
+        </a:xfrm>
+      </p:grpSpPr>
+      <p:pic>
+        <p:nvPicPr>
+          <p:cNvPr id="7" name="Picture 6" descr="Histogram&#10;&#10;Description automatically generated">
+            <a:extLst>
+              <a:ext uri="{FF2B5EF4-FFF2-40B4-BE49-F238E27FC236}">
+                <a16:creationId xmlns:a16="http://schemas.microsoft.com/office/drawing/2014/main" id="{5456E4CB-A05B-435B-91C6-BFB357B4CF5B}"/>
+              </a:ext>
+            </a:extLst>
+          </p:cNvPr>
+          <p:cNvPicPr>
+            <a:picLocks noChangeAspect="1"/>
+          </p:cNvPicPr>
+          <p:nvPr/>
+        </p:nvPicPr>
+        <p:blipFill>
+          <a:blip r:embed="rId2">
+            <a:extLst>
+              <a:ext uri="{28A0092B-C50C-407E-A947-70E740481C1C}">
+                <a14:useLocalDpi xmlns:a14="http://schemas.microsoft.com/office/drawing/2010/main" val="0"/>
+              </a:ext>
+            </a:extLst>
+          </a:blip>
+          <a:stretch>
+            <a:fillRect/>
+          </a:stretch>
+        </p:blipFill>
+        <p:spPr>
+          <a:xfrm>
+            <a:off x="7075742" y="1012048"/>
+            <a:ext cx="4278058" cy="3009631"/>
+          </a:xfrm>
+          <a:prstGeom prst="rect">
+            <a:avLst/>
+          </a:prstGeom>
+        </p:spPr>
+      </p:pic>
+      <p:pic>
+        <p:nvPicPr>
+          <p:cNvPr id="11" name="Picture 10" descr="Chart, histogram&#10;&#10;Description automatically generated">
+            <a:extLst>
+              <a:ext uri="{FF2B5EF4-FFF2-40B4-BE49-F238E27FC236}">
+                <a16:creationId xmlns:a16="http://schemas.microsoft.com/office/drawing/2014/main" id="{2A4114B5-D1AD-438A-8CC7-8D0E7924961A}"/>
+              </a:ext>
+            </a:extLst>
+          </p:cNvPr>
+          <p:cNvPicPr>
+            <a:picLocks noChangeAspect="1"/>
+          </p:cNvPicPr>
+          <p:nvPr/>
+        </p:nvPicPr>
+        <p:blipFill>
+          <a:blip r:embed="rId3">
+            <a:extLst>
+              <a:ext uri="{28A0092B-C50C-407E-A947-70E740481C1C}">
+                <a14:useLocalDpi xmlns:a14="http://schemas.microsoft.com/office/drawing/2010/main" val="0"/>
+              </a:ext>
+            </a:extLst>
+          </a:blip>
+          <a:stretch>
+            <a:fillRect/>
+          </a:stretch>
+        </p:blipFill>
+        <p:spPr>
+          <a:xfrm>
+            <a:off x="1097757" y="1121398"/>
+            <a:ext cx="4609289" cy="3242654"/>
+          </a:xfrm>
+          <a:prstGeom prst="rect">
+            <a:avLst/>
+          </a:prstGeom>
+        </p:spPr>
+      </p:pic>
+      <p:sp>
+        <p:nvSpPr>
+          <p:cNvPr id="2" name="Title 1">
+            <a:extLst>
+              <a:ext uri="{FF2B5EF4-FFF2-40B4-BE49-F238E27FC236}">
+                <a16:creationId xmlns:a16="http://schemas.microsoft.com/office/drawing/2014/main" id="{418EA693-EDB6-47E2-9D3C-74843D34133A}"/>
+              </a:ext>
+            </a:extLst>
+          </p:cNvPr>
+          <p:cNvSpPr>
+            <a:spLocks noGrp="1"/>
+          </p:cNvSpPr>
+          <p:nvPr>
+            <p:ph type="title"/>
+          </p:nvPr>
+        </p:nvSpPr>
+        <p:spPr/>
+        <p:txBody>
+          <a:bodyPr/>
+          <a:lstStyle/>
+          <a:p>
+            <a:r>
+              <a:rPr lang="en-US" dirty="0"/>
+              <a:t>Wastewater/BU Cases Ratios</a:t>
+            </a:r>
+          </a:p>
+        </p:txBody>
+      </p:sp>
+      <p:pic>
+        <p:nvPicPr>
+          <p:cNvPr id="5" name="Picture 4" descr="Chart, histogram&#10;&#10;Description automatically generated">
+            <a:extLst>
+              <a:ext uri="{FF2B5EF4-FFF2-40B4-BE49-F238E27FC236}">
+                <a16:creationId xmlns:a16="http://schemas.microsoft.com/office/drawing/2014/main" id="{15A19EC9-1A90-4D7D-BBD1-E62BD2756EC3}"/>
+              </a:ext>
+            </a:extLst>
+          </p:cNvPr>
+          <p:cNvPicPr>
+            <a:picLocks noChangeAspect="1"/>
+          </p:cNvPicPr>
+          <p:nvPr/>
+        </p:nvPicPr>
+        <p:blipFill>
+          <a:blip r:embed="rId4">
+            <a:extLst>
+              <a:ext uri="{28A0092B-C50C-407E-A947-70E740481C1C}">
+                <a14:useLocalDpi xmlns:a14="http://schemas.microsoft.com/office/drawing/2010/main" val="0"/>
+              </a:ext>
+            </a:extLst>
+          </a:blip>
+          <a:stretch>
+            <a:fillRect/>
+          </a:stretch>
+        </p:blipFill>
+        <p:spPr>
+          <a:xfrm>
+            <a:off x="7211929" y="3794761"/>
+            <a:ext cx="4354258" cy="3063239"/>
+          </a:xfrm>
+          <a:prstGeom prst="rect">
+            <a:avLst/>
+          </a:prstGeom>
+        </p:spPr>
+      </p:pic>
+      <p:pic>
+        <p:nvPicPr>
+          <p:cNvPr id="9" name="Picture 8" descr="Chart, histogram&#10;&#10;Description automatically generated">
+            <a:extLst>
+              <a:ext uri="{FF2B5EF4-FFF2-40B4-BE49-F238E27FC236}">
+                <a16:creationId xmlns:a16="http://schemas.microsoft.com/office/drawing/2014/main" id="{807B081D-A42A-4394-8472-FED37022FEE9}"/>
+              </a:ext>
+            </a:extLst>
+          </p:cNvPr>
+          <p:cNvPicPr>
+            <a:picLocks noChangeAspect="1"/>
+          </p:cNvPicPr>
+          <p:nvPr/>
+        </p:nvPicPr>
+        <p:blipFill>
+          <a:blip r:embed="rId5">
+            <a:extLst>
+              <a:ext uri="{28A0092B-C50C-407E-A947-70E740481C1C}">
+                <a14:useLocalDpi xmlns:a14="http://schemas.microsoft.com/office/drawing/2010/main" val="0"/>
+              </a:ext>
+            </a:extLst>
+          </a:blip>
+          <a:stretch>
+            <a:fillRect/>
+          </a:stretch>
+        </p:blipFill>
+        <p:spPr>
+          <a:xfrm>
+            <a:off x="967978" y="4021679"/>
+            <a:ext cx="4868846" cy="3425253"/>
+          </a:xfrm>
+          <a:prstGeom prst="rect">
+            <a:avLst/>
+          </a:prstGeom>
+        </p:spPr>
+      </p:pic>
+    </p:spTree>
+    <p:extLst>
+      <p:ext uri="{BB962C8B-B14F-4D97-AF65-F5344CB8AC3E}">
+        <p14:creationId xmlns:p14="http://schemas.microsoft.com/office/powerpoint/2010/main" val="1465347910"/>
+      </p:ext>
+    </p:extLst>
+  </p:cSld>
+  <p:clrMapOvr>
+    <a:masterClrMapping/>
+  </p:clrMapOvr>
+</p:sld>
+</file>
+
+<file path=ppt/slides/slide11.xml><?xml version="1.0" encoding="utf-8"?>
+<p:sld xmlns:a="http://schemas.openxmlformats.org/drawingml/2006/main" xmlns:r="http://schemas.openxmlformats.org/officeDocument/2006/relationships" xmlns:p="http://schemas.openxmlformats.org/presentationml/2006/main">
+  <p:cSld>
+    <p:spTree>
+      <p:nvGrpSpPr>
+        <p:cNvPr id="1" name=""/>
+        <p:cNvGrpSpPr/>
+        <p:nvPr/>
+      </p:nvGrpSpPr>
+      <p:grpSpPr>
+        <a:xfrm>
+          <a:off x="0" y="0"/>
+          <a:ext cx="0" cy="0"/>
+          <a:chOff x="0" y="0"/>
+          <a:chExt cx="0" cy="0"/>
+        </a:xfrm>
+      </p:grpSpPr>
+      <p:sp>
+        <p:nvSpPr>
+          <p:cNvPr id="2" name="Title 1">
+            <a:extLst>
+              <a:ext uri="{FF2B5EF4-FFF2-40B4-BE49-F238E27FC236}">
+                <a16:creationId xmlns:a16="http://schemas.microsoft.com/office/drawing/2014/main" id="{66BA56ED-2F97-43E1-AF16-0BEBC1038073}"/>
+              </a:ext>
+            </a:extLst>
+          </p:cNvPr>
+          <p:cNvSpPr>
+            <a:spLocks noGrp="1"/>
+          </p:cNvSpPr>
+          <p:nvPr>
+            <p:ph type="title"/>
+          </p:nvPr>
+        </p:nvSpPr>
+        <p:spPr/>
+        <p:txBody>
+          <a:bodyPr/>
+          <a:lstStyle/>
+          <a:p>
+            <a:r>
+              <a:rPr lang="en-US" dirty="0"/>
+              <a:t>Ratio Densities</a:t>
+            </a:r>
+          </a:p>
+        </p:txBody>
+      </p:sp>
+      <p:pic>
+        <p:nvPicPr>
+          <p:cNvPr id="5" name="Picture 4" descr="Chart, histogram&#10;&#10;Description automatically generated">
+            <a:extLst>
+              <a:ext uri="{FF2B5EF4-FFF2-40B4-BE49-F238E27FC236}">
+                <a16:creationId xmlns:a16="http://schemas.microsoft.com/office/drawing/2014/main" id="{7BBE7860-40E4-44ED-845D-9932565B05A5}"/>
+              </a:ext>
+            </a:extLst>
+          </p:cNvPr>
+          <p:cNvPicPr>
+            <a:picLocks noChangeAspect="1"/>
+          </p:cNvPicPr>
+          <p:nvPr/>
+        </p:nvPicPr>
+        <p:blipFill>
+          <a:blip r:embed="rId2">
+            <a:extLst>
+              <a:ext uri="{28A0092B-C50C-407E-A947-70E740481C1C}">
+                <a14:useLocalDpi xmlns:a14="http://schemas.microsoft.com/office/drawing/2010/main" val="0"/>
+              </a:ext>
+            </a:extLst>
+          </a:blip>
+          <a:stretch>
+            <a:fillRect/>
+          </a:stretch>
+        </p:blipFill>
+        <p:spPr>
+          <a:xfrm>
+            <a:off x="2386634" y="1788934"/>
+            <a:ext cx="7068536" cy="4972744"/>
+          </a:xfrm>
+          <a:prstGeom prst="rect">
+            <a:avLst/>
+          </a:prstGeom>
+        </p:spPr>
+      </p:pic>
+    </p:spTree>
+    <p:extLst>
+      <p:ext uri="{BB962C8B-B14F-4D97-AF65-F5344CB8AC3E}">
+        <p14:creationId xmlns:p14="http://schemas.microsoft.com/office/powerpoint/2010/main" val="1493402838"/>
+      </p:ext>
+    </p:extLst>
+  </p:cSld>
+  <p:clrMapOvr>
+    <a:masterClrMapping/>
+  </p:clrMapOvr>
+</p:sld>
+</file>
+
+<file path=ppt/slides/slide12.xml><?xml version="1.0" encoding="utf-8"?>
+<p:sld xmlns:a="http://schemas.openxmlformats.org/drawingml/2006/main" xmlns:r="http://schemas.openxmlformats.org/officeDocument/2006/relationships" xmlns:p="http://schemas.openxmlformats.org/presentationml/2006/main">
+  <p:cSld>
+    <p:spTree>
+      <p:nvGrpSpPr>
+        <p:cNvPr id="1" name=""/>
+        <p:cNvGrpSpPr/>
+        <p:nvPr/>
+      </p:nvGrpSpPr>
+      <p:grpSpPr>
+        <a:xfrm>
+          <a:off x="0" y="0"/>
+          <a:ext cx="0" cy="0"/>
+          <a:chOff x="0" y="0"/>
+          <a:chExt cx="0" cy="0"/>
+        </a:xfrm>
+      </p:grpSpPr>
+      <p:pic>
+        <p:nvPicPr>
+          <p:cNvPr id="5" name="Picture 4">
+            <a:extLst>
+              <a:ext uri="{FF2B5EF4-FFF2-40B4-BE49-F238E27FC236}">
+                <a16:creationId xmlns:a16="http://schemas.microsoft.com/office/drawing/2014/main" id="{4564C2A0-1910-4970-A9F5-90CB43169204}"/>
+              </a:ext>
+            </a:extLst>
+          </p:cNvPr>
+          <p:cNvPicPr>
+            <a:picLocks noChangeAspect="1"/>
+          </p:cNvPicPr>
+          <p:nvPr/>
+        </p:nvPicPr>
+        <p:blipFill>
+          <a:blip r:embed="rId2"/>
+          <a:stretch>
+            <a:fillRect/>
+          </a:stretch>
+        </p:blipFill>
+        <p:spPr>
+          <a:xfrm>
+            <a:off x="351816" y="2613542"/>
+            <a:ext cx="11488366" cy="3809788"/>
+          </a:xfrm>
+          <a:prstGeom prst="rect">
+            <a:avLst/>
+          </a:prstGeom>
+        </p:spPr>
+      </p:pic>
+      <p:sp>
+        <p:nvSpPr>
+          <p:cNvPr id="2" name="Title 1">
+            <a:extLst>
+              <a:ext uri="{FF2B5EF4-FFF2-40B4-BE49-F238E27FC236}">
+                <a16:creationId xmlns:a16="http://schemas.microsoft.com/office/drawing/2014/main" id="{AF58B6AC-E9CA-485C-9F67-7969C31D708C}"/>
+              </a:ext>
+            </a:extLst>
+          </p:cNvPr>
+          <p:cNvSpPr>
+            <a:spLocks noGrp="1"/>
+          </p:cNvSpPr>
+          <p:nvPr>
+            <p:ph type="title"/>
+          </p:nvPr>
+        </p:nvSpPr>
+        <p:spPr/>
+        <p:txBody>
+          <a:bodyPr/>
+          <a:lstStyle/>
+          <a:p>
+            <a:r>
+              <a:rPr lang="en-US" dirty="0"/>
+              <a:t>Interesting Things </a:t>
+            </a:r>
+          </a:p>
+        </p:txBody>
+      </p:sp>
+      <p:pic>
+        <p:nvPicPr>
+          <p:cNvPr id="7" name="Picture 6">
+            <a:extLst>
+              <a:ext uri="{FF2B5EF4-FFF2-40B4-BE49-F238E27FC236}">
+                <a16:creationId xmlns:a16="http://schemas.microsoft.com/office/drawing/2014/main" id="{F88C2353-DE32-4857-B51D-312C8304FC37}"/>
+              </a:ext>
+            </a:extLst>
+          </p:cNvPr>
+          <p:cNvPicPr>
+            <a:picLocks noChangeAspect="1"/>
+          </p:cNvPicPr>
+          <p:nvPr/>
+        </p:nvPicPr>
+        <p:blipFill>
+          <a:blip r:embed="rId3"/>
+          <a:stretch>
+            <a:fillRect/>
+          </a:stretch>
+        </p:blipFill>
+        <p:spPr>
+          <a:xfrm>
+            <a:off x="5235304" y="275607"/>
+            <a:ext cx="2888709" cy="2682373"/>
+          </a:xfrm>
+          <a:prstGeom prst="rect">
+            <a:avLst/>
+          </a:prstGeom>
+        </p:spPr>
+      </p:pic>
+    </p:spTree>
+    <p:extLst>
+      <p:ext uri="{BB962C8B-B14F-4D97-AF65-F5344CB8AC3E}">
+        <p14:creationId xmlns:p14="http://schemas.microsoft.com/office/powerpoint/2010/main" val="3426202900"/>
+      </p:ext>
+    </p:extLst>
+  </p:cSld>
+  <p:clrMapOvr>
+    <a:masterClrMapping/>
+  </p:clrMapOvr>
+</p:sld>
+</file>
+
 <file path=ppt/slides/slide2.xml><?xml version="1.0" encoding="utf-8"?>
 <p:sld xmlns:a="http://schemas.openxmlformats.org/drawingml/2006/main" xmlns:r="http://schemas.openxmlformats.org/officeDocument/2006/relationships" xmlns:p="http://schemas.openxmlformats.org/presentationml/2006/main">
   <p:cSld>
@@ -4038,6 +4463,535 @@
     <p:extLst>
       <p:ext uri="{BB962C8B-B14F-4D97-AF65-F5344CB8AC3E}">
         <p14:creationId xmlns:p14="http://schemas.microsoft.com/office/powerpoint/2010/main" val="3232365431"/>
+      </p:ext>
+    </p:extLst>
+  </p:cSld>
+  <p:clrMapOvr>
+    <a:masterClrMapping/>
+  </p:clrMapOvr>
+</p:sld>
+</file>
+
+<file path=ppt/slides/slide7.xml><?xml version="1.0" encoding="utf-8"?>
+<p:sld xmlns:a="http://schemas.openxmlformats.org/drawingml/2006/main" xmlns:r="http://schemas.openxmlformats.org/officeDocument/2006/relationships" xmlns:p="http://schemas.openxmlformats.org/presentationml/2006/main">
+  <p:cSld>
+    <p:spTree>
+      <p:nvGrpSpPr>
+        <p:cNvPr id="1" name=""/>
+        <p:cNvGrpSpPr/>
+        <p:nvPr/>
+      </p:nvGrpSpPr>
+      <p:grpSpPr>
+        <a:xfrm>
+          <a:off x="0" y="0"/>
+          <a:ext cx="0" cy="0"/>
+          <a:chOff x="0" y="0"/>
+          <a:chExt cx="0" cy="0"/>
+        </a:xfrm>
+      </p:grpSpPr>
+      <p:sp>
+        <p:nvSpPr>
+          <p:cNvPr id="2" name="Title 1">
+            <a:extLst>
+              <a:ext uri="{FF2B5EF4-FFF2-40B4-BE49-F238E27FC236}">
+                <a16:creationId xmlns:a16="http://schemas.microsoft.com/office/drawing/2014/main" id="{FDA3E3CD-7243-43FB-BD44-6988E8932AE0}"/>
+              </a:ext>
+            </a:extLst>
+          </p:cNvPr>
+          <p:cNvSpPr>
+            <a:spLocks noGrp="1"/>
+          </p:cNvSpPr>
+          <p:nvPr>
+            <p:ph type="title"/>
+          </p:nvPr>
+        </p:nvSpPr>
+        <p:spPr/>
+        <p:txBody>
+          <a:bodyPr/>
+          <a:lstStyle/>
+          <a:p>
+            <a:r>
+              <a:rPr lang="en-US" dirty="0"/>
+              <a:t>Daily New Cases Lag</a:t>
+            </a:r>
+          </a:p>
+        </p:txBody>
+      </p:sp>
+      <p:pic>
+        <p:nvPicPr>
+          <p:cNvPr id="5" name="Picture 4" descr="Chart, histogram&#10;&#10;Description automatically generated">
+            <a:extLst>
+              <a:ext uri="{FF2B5EF4-FFF2-40B4-BE49-F238E27FC236}">
+                <a16:creationId xmlns:a16="http://schemas.microsoft.com/office/drawing/2014/main" id="{EF2B9B4E-39A7-4BEB-A107-051C5523F058}"/>
+              </a:ext>
+            </a:extLst>
+          </p:cNvPr>
+          <p:cNvPicPr>
+            <a:picLocks noChangeAspect="1"/>
+          </p:cNvPicPr>
+          <p:nvPr/>
+        </p:nvPicPr>
+        <p:blipFill>
+          <a:blip r:embed="rId2">
+            <a:extLst>
+              <a:ext uri="{28A0092B-C50C-407E-A947-70E740481C1C}">
+                <a14:useLocalDpi xmlns:a14="http://schemas.microsoft.com/office/drawing/2010/main" val="0"/>
+              </a:ext>
+            </a:extLst>
+          </a:blip>
+          <a:stretch>
+            <a:fillRect/>
+          </a:stretch>
+        </p:blipFill>
+        <p:spPr>
+          <a:xfrm>
+            <a:off x="6248021" y="2238215"/>
+            <a:ext cx="5783394" cy="3564874"/>
+          </a:xfrm>
+          <a:prstGeom prst="rect">
+            <a:avLst/>
+          </a:prstGeom>
+        </p:spPr>
+      </p:pic>
+      <p:pic>
+        <p:nvPicPr>
+          <p:cNvPr id="7" name="Picture 6" descr="Chart, histogram&#10;&#10;Description automatically generated">
+            <a:extLst>
+              <a:ext uri="{FF2B5EF4-FFF2-40B4-BE49-F238E27FC236}">
+                <a16:creationId xmlns:a16="http://schemas.microsoft.com/office/drawing/2014/main" id="{F9275123-048F-482A-B191-FEBB97F87DF2}"/>
+              </a:ext>
+            </a:extLst>
+          </p:cNvPr>
+          <p:cNvPicPr>
+            <a:picLocks noChangeAspect="1"/>
+          </p:cNvPicPr>
+          <p:nvPr/>
+        </p:nvPicPr>
+        <p:blipFill>
+          <a:blip r:embed="rId3">
+            <a:extLst>
+              <a:ext uri="{28A0092B-C50C-407E-A947-70E740481C1C}">
+                <a14:useLocalDpi xmlns:a14="http://schemas.microsoft.com/office/drawing/2010/main" val="0"/>
+              </a:ext>
+            </a:extLst>
+          </a:blip>
+          <a:stretch>
+            <a:fillRect/>
+          </a:stretch>
+        </p:blipFill>
+        <p:spPr>
+          <a:xfrm>
+            <a:off x="-26504" y="2188723"/>
+            <a:ext cx="5943980" cy="3663859"/>
+          </a:xfrm>
+          <a:prstGeom prst="rect">
+            <a:avLst/>
+          </a:prstGeom>
+        </p:spPr>
+      </p:pic>
+      <p:sp>
+        <p:nvSpPr>
+          <p:cNvPr id="8" name="TextBox 7">
+            <a:extLst>
+              <a:ext uri="{FF2B5EF4-FFF2-40B4-BE49-F238E27FC236}">
+                <a16:creationId xmlns:a16="http://schemas.microsoft.com/office/drawing/2014/main" id="{52B0E3AC-31A9-4AD4-AC77-ECC845461A90}"/>
+              </a:ext>
+            </a:extLst>
+          </p:cNvPr>
+          <p:cNvSpPr txBox="1"/>
+          <p:nvPr/>
+        </p:nvSpPr>
+        <p:spPr>
+          <a:xfrm>
+            <a:off x="3093395" y="3044757"/>
+            <a:ext cx="1253317" cy="369332"/>
+          </a:xfrm>
+          <a:prstGeom prst="rect">
+            <a:avLst/>
+          </a:prstGeom>
+          <a:noFill/>
+        </p:spPr>
+        <p:txBody>
+          <a:bodyPr wrap="square" rtlCol="0">
+            <a:spAutoFit/>
+          </a:bodyPr>
+          <a:lstStyle/>
+          <a:p>
+            <a:r>
+              <a:rPr lang="en-US" dirty="0"/>
+              <a:t>-4: 0.678</a:t>
+            </a:r>
+          </a:p>
+        </p:txBody>
+      </p:sp>
+      <p:sp>
+        <p:nvSpPr>
+          <p:cNvPr id="9" name="TextBox 8">
+            <a:extLst>
+              <a:ext uri="{FF2B5EF4-FFF2-40B4-BE49-F238E27FC236}">
+                <a16:creationId xmlns:a16="http://schemas.microsoft.com/office/drawing/2014/main" id="{30424605-F812-40D1-8BBA-5583BFBF6238}"/>
+              </a:ext>
+            </a:extLst>
+          </p:cNvPr>
+          <p:cNvSpPr txBox="1"/>
+          <p:nvPr/>
+        </p:nvSpPr>
+        <p:spPr>
+          <a:xfrm>
+            <a:off x="920040" y="2914754"/>
+            <a:ext cx="1253317" cy="369332"/>
+          </a:xfrm>
+          <a:prstGeom prst="rect">
+            <a:avLst/>
+          </a:prstGeom>
+          <a:noFill/>
+        </p:spPr>
+        <p:txBody>
+          <a:bodyPr wrap="square" rtlCol="0">
+            <a:spAutoFit/>
+          </a:bodyPr>
+          <a:lstStyle/>
+          <a:p>
+            <a:r>
+              <a:rPr lang="en-US" dirty="0"/>
+              <a:t>-10: 0.685</a:t>
+            </a:r>
+          </a:p>
+        </p:txBody>
+      </p:sp>
+      <p:sp>
+        <p:nvSpPr>
+          <p:cNvPr id="10" name="TextBox 9">
+            <a:extLst>
+              <a:ext uri="{FF2B5EF4-FFF2-40B4-BE49-F238E27FC236}">
+                <a16:creationId xmlns:a16="http://schemas.microsoft.com/office/drawing/2014/main" id="{5990C323-25C8-4F16-8814-A89F4D2D5889}"/>
+              </a:ext>
+            </a:extLst>
+          </p:cNvPr>
+          <p:cNvSpPr txBox="1"/>
+          <p:nvPr/>
+        </p:nvSpPr>
+        <p:spPr>
+          <a:xfrm>
+            <a:off x="9139718" y="2937151"/>
+            <a:ext cx="1253317" cy="369332"/>
+          </a:xfrm>
+          <a:prstGeom prst="rect">
+            <a:avLst/>
+          </a:prstGeom>
+          <a:noFill/>
+        </p:spPr>
+        <p:txBody>
+          <a:bodyPr wrap="square" rtlCol="0">
+            <a:spAutoFit/>
+          </a:bodyPr>
+          <a:lstStyle/>
+          <a:p>
+            <a:r>
+              <a:rPr lang="en-US" dirty="0"/>
+              <a:t>-7: 0.708</a:t>
+            </a:r>
+          </a:p>
+        </p:txBody>
+      </p:sp>
+    </p:spTree>
+    <p:extLst>
+      <p:ext uri="{BB962C8B-B14F-4D97-AF65-F5344CB8AC3E}">
+        <p14:creationId xmlns:p14="http://schemas.microsoft.com/office/powerpoint/2010/main" val="245480481"/>
+      </p:ext>
+    </p:extLst>
+  </p:cSld>
+  <p:clrMapOvr>
+    <a:masterClrMapping/>
+  </p:clrMapOvr>
+</p:sld>
+</file>
+
+<file path=ppt/slides/slide8.xml><?xml version="1.0" encoding="utf-8"?>
+<p:sld xmlns:a="http://schemas.openxmlformats.org/drawingml/2006/main" xmlns:r="http://schemas.openxmlformats.org/officeDocument/2006/relationships" xmlns:p="http://schemas.openxmlformats.org/presentationml/2006/main">
+  <p:cSld>
+    <p:spTree>
+      <p:nvGrpSpPr>
+        <p:cNvPr id="1" name=""/>
+        <p:cNvGrpSpPr/>
+        <p:nvPr/>
+      </p:nvGrpSpPr>
+      <p:grpSpPr>
+        <a:xfrm>
+          <a:off x="0" y="0"/>
+          <a:ext cx="0" cy="0"/>
+          <a:chOff x="0" y="0"/>
+          <a:chExt cx="0" cy="0"/>
+        </a:xfrm>
+      </p:grpSpPr>
+      <p:sp>
+        <p:nvSpPr>
+          <p:cNvPr id="2" name="Title 1">
+            <a:extLst>
+              <a:ext uri="{FF2B5EF4-FFF2-40B4-BE49-F238E27FC236}">
+                <a16:creationId xmlns:a16="http://schemas.microsoft.com/office/drawing/2014/main" id="{BA2A9AE1-5563-4923-9B8D-F482484EB19F}"/>
+              </a:ext>
+            </a:extLst>
+          </p:cNvPr>
+          <p:cNvSpPr>
+            <a:spLocks noGrp="1"/>
+          </p:cNvSpPr>
+          <p:nvPr>
+            <p:ph type="title"/>
+          </p:nvPr>
+        </p:nvSpPr>
+        <p:spPr/>
+        <p:txBody>
+          <a:bodyPr/>
+          <a:lstStyle/>
+          <a:p>
+            <a:r>
+              <a:rPr lang="en-US" dirty="0"/>
+              <a:t>7 Day Cumulative Lag</a:t>
+            </a:r>
+          </a:p>
+        </p:txBody>
+      </p:sp>
+      <p:pic>
+        <p:nvPicPr>
+          <p:cNvPr id="5" name="Picture 4" descr="Chart, histogram&#10;&#10;Description automatically generated">
+            <a:extLst>
+              <a:ext uri="{FF2B5EF4-FFF2-40B4-BE49-F238E27FC236}">
+                <a16:creationId xmlns:a16="http://schemas.microsoft.com/office/drawing/2014/main" id="{78A40885-1B3B-4926-A05C-913C61949981}"/>
+              </a:ext>
+            </a:extLst>
+          </p:cNvPr>
+          <p:cNvPicPr>
+            <a:picLocks noChangeAspect="1"/>
+          </p:cNvPicPr>
+          <p:nvPr/>
+        </p:nvPicPr>
+        <p:blipFill>
+          <a:blip r:embed="rId2">
+            <a:extLst>
+              <a:ext uri="{28A0092B-C50C-407E-A947-70E740481C1C}">
+                <a14:useLocalDpi xmlns:a14="http://schemas.microsoft.com/office/drawing/2010/main" val="0"/>
+              </a:ext>
+            </a:extLst>
+          </a:blip>
+          <a:stretch>
+            <a:fillRect/>
+          </a:stretch>
+        </p:blipFill>
+        <p:spPr>
+          <a:xfrm>
+            <a:off x="6096000" y="1827269"/>
+            <a:ext cx="6061480" cy="3736286"/>
+          </a:xfrm>
+          <a:prstGeom prst="rect">
+            <a:avLst/>
+          </a:prstGeom>
+        </p:spPr>
+      </p:pic>
+      <p:pic>
+        <p:nvPicPr>
+          <p:cNvPr id="7" name="Picture 6" descr="Chart, histogram&#10;&#10;Description automatically generated">
+            <a:extLst>
+              <a:ext uri="{FF2B5EF4-FFF2-40B4-BE49-F238E27FC236}">
+                <a16:creationId xmlns:a16="http://schemas.microsoft.com/office/drawing/2014/main" id="{E66A3BF8-9F65-46B7-A0FB-6C4F65139D72}"/>
+              </a:ext>
+            </a:extLst>
+          </p:cNvPr>
+          <p:cNvPicPr>
+            <a:picLocks noChangeAspect="1"/>
+          </p:cNvPicPr>
+          <p:nvPr/>
+        </p:nvPicPr>
+        <p:blipFill>
+          <a:blip r:embed="rId3">
+            <a:extLst>
+              <a:ext uri="{28A0092B-C50C-407E-A947-70E740481C1C}">
+                <a14:useLocalDpi xmlns:a14="http://schemas.microsoft.com/office/drawing/2010/main" val="0"/>
+              </a:ext>
+            </a:extLst>
+          </a:blip>
+          <a:stretch>
+            <a:fillRect/>
+          </a:stretch>
+        </p:blipFill>
+        <p:spPr>
+          <a:xfrm>
+            <a:off x="235304" y="1889151"/>
+            <a:ext cx="5860696" cy="3612523"/>
+          </a:xfrm>
+          <a:prstGeom prst="rect">
+            <a:avLst/>
+          </a:prstGeom>
+        </p:spPr>
+      </p:pic>
+      <p:sp>
+        <p:nvSpPr>
+          <p:cNvPr id="8" name="TextBox 7">
+            <a:extLst>
+              <a:ext uri="{FF2B5EF4-FFF2-40B4-BE49-F238E27FC236}">
+                <a16:creationId xmlns:a16="http://schemas.microsoft.com/office/drawing/2014/main" id="{882EABFF-C51F-4EC8-8A81-097F13CF1FFC}"/>
+              </a:ext>
+            </a:extLst>
+          </p:cNvPr>
+          <p:cNvSpPr txBox="1"/>
+          <p:nvPr/>
+        </p:nvSpPr>
+        <p:spPr>
+          <a:xfrm>
+            <a:off x="3439504" y="2661834"/>
+            <a:ext cx="1253317" cy="369332"/>
+          </a:xfrm>
+          <a:prstGeom prst="rect">
+            <a:avLst/>
+          </a:prstGeom>
+          <a:noFill/>
+        </p:spPr>
+        <p:txBody>
+          <a:bodyPr wrap="square" rtlCol="0">
+            <a:spAutoFit/>
+          </a:bodyPr>
+          <a:lstStyle/>
+          <a:p>
+            <a:r>
+              <a:rPr lang="en-US" dirty="0"/>
+              <a:t>-10: 0.903</a:t>
+            </a:r>
+          </a:p>
+        </p:txBody>
+      </p:sp>
+      <p:sp>
+        <p:nvSpPr>
+          <p:cNvPr id="9" name="TextBox 8">
+            <a:extLst>
+              <a:ext uri="{FF2B5EF4-FFF2-40B4-BE49-F238E27FC236}">
+                <a16:creationId xmlns:a16="http://schemas.microsoft.com/office/drawing/2014/main" id="{B110A7AD-B124-4887-81D9-84DB4CE75CB2}"/>
+              </a:ext>
+            </a:extLst>
+          </p:cNvPr>
+          <p:cNvSpPr txBox="1"/>
+          <p:nvPr/>
+        </p:nvSpPr>
+        <p:spPr>
+          <a:xfrm>
+            <a:off x="9733299" y="2661834"/>
+            <a:ext cx="1253317" cy="369332"/>
+          </a:xfrm>
+          <a:prstGeom prst="rect">
+            <a:avLst/>
+          </a:prstGeom>
+          <a:noFill/>
+        </p:spPr>
+        <p:txBody>
+          <a:bodyPr wrap="square" rtlCol="0">
+            <a:spAutoFit/>
+          </a:bodyPr>
+          <a:lstStyle/>
+          <a:p>
+            <a:r>
+              <a:rPr lang="en-US" dirty="0"/>
+              <a:t>-10: 0.915</a:t>
+            </a:r>
+          </a:p>
+        </p:txBody>
+      </p:sp>
+    </p:spTree>
+    <p:extLst>
+      <p:ext uri="{BB962C8B-B14F-4D97-AF65-F5344CB8AC3E}">
+        <p14:creationId xmlns:p14="http://schemas.microsoft.com/office/powerpoint/2010/main" val="3239165086"/>
+      </p:ext>
+    </p:extLst>
+  </p:cSld>
+  <p:clrMapOvr>
+    <a:masterClrMapping/>
+  </p:clrMapOvr>
+</p:sld>
+</file>
+
+<file path=ppt/slides/slide9.xml><?xml version="1.0" encoding="utf-8"?>
+<p:sld xmlns:a="http://schemas.openxmlformats.org/drawingml/2006/main" xmlns:r="http://schemas.openxmlformats.org/officeDocument/2006/relationships" xmlns:p="http://schemas.openxmlformats.org/presentationml/2006/main">
+  <p:cSld>
+    <p:spTree>
+      <p:nvGrpSpPr>
+        <p:cNvPr id="1" name=""/>
+        <p:cNvGrpSpPr/>
+        <p:nvPr/>
+      </p:nvGrpSpPr>
+      <p:grpSpPr>
+        <a:xfrm>
+          <a:off x="0" y="0"/>
+          <a:ext cx="0" cy="0"/>
+          <a:chOff x="0" y="0"/>
+          <a:chExt cx="0" cy="0"/>
+        </a:xfrm>
+      </p:grpSpPr>
+      <p:sp>
+        <p:nvSpPr>
+          <p:cNvPr id="2" name="Title 1">
+            <a:extLst>
+              <a:ext uri="{FF2B5EF4-FFF2-40B4-BE49-F238E27FC236}">
+                <a16:creationId xmlns:a16="http://schemas.microsoft.com/office/drawing/2014/main" id="{B896ECEA-2EB3-4848-8E4E-216F764A2765}"/>
+              </a:ext>
+            </a:extLst>
+          </p:cNvPr>
+          <p:cNvSpPr>
+            <a:spLocks noGrp="1"/>
+          </p:cNvSpPr>
+          <p:nvPr>
+            <p:ph type="title"/>
+          </p:nvPr>
+        </p:nvSpPr>
+        <p:spPr/>
+        <p:txBody>
+          <a:bodyPr/>
+          <a:lstStyle/>
+          <a:p>
+            <a:r>
+              <a:rPr lang="en-US" dirty="0"/>
+              <a:t>BU Covid Cases</a:t>
+            </a:r>
+          </a:p>
+        </p:txBody>
+      </p:sp>
+      <p:pic>
+        <p:nvPicPr>
+          <p:cNvPr id="5" name="Picture 4" descr="Chart, histogram&#10;&#10;Description automatically generated">
+            <a:extLst>
+              <a:ext uri="{FF2B5EF4-FFF2-40B4-BE49-F238E27FC236}">
+                <a16:creationId xmlns:a16="http://schemas.microsoft.com/office/drawing/2014/main" id="{29DA7DDD-3722-42D8-B5D3-2F357BDC30B2}"/>
+              </a:ext>
+            </a:extLst>
+          </p:cNvPr>
+          <p:cNvPicPr>
+            <a:picLocks noChangeAspect="1"/>
+          </p:cNvPicPr>
+          <p:nvPr/>
+        </p:nvPicPr>
+        <p:blipFill>
+          <a:blip r:embed="rId2">
+            <a:extLst>
+              <a:ext uri="{28A0092B-C50C-407E-A947-70E740481C1C}">
+                <a14:useLocalDpi xmlns:a14="http://schemas.microsoft.com/office/drawing/2010/main" val="0"/>
+              </a:ext>
+            </a:extLst>
+          </a:blip>
+          <a:stretch>
+            <a:fillRect/>
+          </a:stretch>
+        </p:blipFill>
+        <p:spPr>
+          <a:xfrm>
+            <a:off x="1224405" y="1402598"/>
+            <a:ext cx="9743190" cy="5450538"/>
+          </a:xfrm>
+          <a:prstGeom prst="rect">
+            <a:avLst/>
+          </a:prstGeom>
+        </p:spPr>
+      </p:pic>
+    </p:spTree>
+    <p:extLst>
+      <p:ext uri="{BB962C8B-B14F-4D97-AF65-F5344CB8AC3E}">
+        <p14:creationId xmlns:p14="http://schemas.microsoft.com/office/powerpoint/2010/main" val="2020442944"/>
       </p:ext>
     </p:extLst>
   </p:cSld>

--- a/results.pptx
+++ b/results.pptx
@@ -13,10 +13,25 @@
     <p:sldId id="260" r:id="rId7"/>
     <p:sldId id="264" r:id="rId8"/>
     <p:sldId id="265" r:id="rId9"/>
-    <p:sldId id="262" r:id="rId10"/>
-    <p:sldId id="267" r:id="rId11"/>
-    <p:sldId id="266" r:id="rId12"/>
-    <p:sldId id="263" r:id="rId13"/>
+    <p:sldId id="268" r:id="rId10"/>
+    <p:sldId id="269" r:id="rId11"/>
+    <p:sldId id="270" r:id="rId12"/>
+    <p:sldId id="271" r:id="rId13"/>
+    <p:sldId id="274" r:id="rId14"/>
+    <p:sldId id="276" r:id="rId15"/>
+    <p:sldId id="277" r:id="rId16"/>
+    <p:sldId id="278" r:id="rId17"/>
+    <p:sldId id="275" r:id="rId18"/>
+    <p:sldId id="280" r:id="rId19"/>
+    <p:sldId id="281" r:id="rId20"/>
+    <p:sldId id="282" r:id="rId21"/>
+    <p:sldId id="283" r:id="rId22"/>
+    <p:sldId id="273" r:id="rId23"/>
+    <p:sldId id="262" r:id="rId24"/>
+    <p:sldId id="267" r:id="rId25"/>
+    <p:sldId id="266" r:id="rId26"/>
+    <p:sldId id="263" r:id="rId27"/>
+    <p:sldId id="272" r:id="rId28"/>
   </p:sldIdLst>
   <p:sldSz cx="12192000" cy="6858000"/>
   <p:notesSz cx="6858000" cy="9144000"/>
@@ -270,7 +285,7 @@
           <a:p>
             <a:fld id="{DAABEDCD-67F0-4209-BAB4-F65DEDC0F01B}" type="datetimeFigureOut">
               <a:rPr lang="en-US" smtClean="0"/>
-              <a:t>3/15/2022</a:t>
+              <a:t>4/19/2022</a:t>
             </a:fld>
             <a:endParaRPr lang="en-US"/>
           </a:p>
@@ -468,7 +483,7 @@
           <a:p>
             <a:fld id="{DAABEDCD-67F0-4209-BAB4-F65DEDC0F01B}" type="datetimeFigureOut">
               <a:rPr lang="en-US" smtClean="0"/>
-              <a:t>3/15/2022</a:t>
+              <a:t>4/19/2022</a:t>
             </a:fld>
             <a:endParaRPr lang="en-US"/>
           </a:p>
@@ -676,7 +691,7 @@
           <a:p>
             <a:fld id="{DAABEDCD-67F0-4209-BAB4-F65DEDC0F01B}" type="datetimeFigureOut">
               <a:rPr lang="en-US" smtClean="0"/>
-              <a:t>3/15/2022</a:t>
+              <a:t>4/19/2022</a:t>
             </a:fld>
             <a:endParaRPr lang="en-US"/>
           </a:p>
@@ -874,7 +889,7 @@
           <a:p>
             <a:fld id="{DAABEDCD-67F0-4209-BAB4-F65DEDC0F01B}" type="datetimeFigureOut">
               <a:rPr lang="en-US" smtClean="0"/>
-              <a:t>3/15/2022</a:t>
+              <a:t>4/19/2022</a:t>
             </a:fld>
             <a:endParaRPr lang="en-US"/>
           </a:p>
@@ -1149,7 +1164,7 @@
           <a:p>
             <a:fld id="{DAABEDCD-67F0-4209-BAB4-F65DEDC0F01B}" type="datetimeFigureOut">
               <a:rPr lang="en-US" smtClean="0"/>
-              <a:t>3/15/2022</a:t>
+              <a:t>4/19/2022</a:t>
             </a:fld>
             <a:endParaRPr lang="en-US"/>
           </a:p>
@@ -1414,7 +1429,7 @@
           <a:p>
             <a:fld id="{DAABEDCD-67F0-4209-BAB4-F65DEDC0F01B}" type="datetimeFigureOut">
               <a:rPr lang="en-US" smtClean="0"/>
-              <a:t>3/15/2022</a:t>
+              <a:t>4/19/2022</a:t>
             </a:fld>
             <a:endParaRPr lang="en-US"/>
           </a:p>
@@ -1826,7 +1841,7 @@
           <a:p>
             <a:fld id="{DAABEDCD-67F0-4209-BAB4-F65DEDC0F01B}" type="datetimeFigureOut">
               <a:rPr lang="en-US" smtClean="0"/>
-              <a:t>3/15/2022</a:t>
+              <a:t>4/19/2022</a:t>
             </a:fld>
             <a:endParaRPr lang="en-US"/>
           </a:p>
@@ -1967,7 +1982,7 @@
           <a:p>
             <a:fld id="{DAABEDCD-67F0-4209-BAB4-F65DEDC0F01B}" type="datetimeFigureOut">
               <a:rPr lang="en-US" smtClean="0"/>
-              <a:t>3/15/2022</a:t>
+              <a:t>4/19/2022</a:t>
             </a:fld>
             <a:endParaRPr lang="en-US"/>
           </a:p>
@@ -2080,7 +2095,7 @@
           <a:p>
             <a:fld id="{DAABEDCD-67F0-4209-BAB4-F65DEDC0F01B}" type="datetimeFigureOut">
               <a:rPr lang="en-US" smtClean="0"/>
-              <a:t>3/15/2022</a:t>
+              <a:t>4/19/2022</a:t>
             </a:fld>
             <a:endParaRPr lang="en-US"/>
           </a:p>
@@ -2391,7 +2406,7 @@
           <a:p>
             <a:fld id="{DAABEDCD-67F0-4209-BAB4-F65DEDC0F01B}" type="datetimeFigureOut">
               <a:rPr lang="en-US" smtClean="0"/>
-              <a:t>3/15/2022</a:t>
+              <a:t>4/19/2022</a:t>
             </a:fld>
             <a:endParaRPr lang="en-US"/>
           </a:p>
@@ -2679,7 +2694,7 @@
           <a:p>
             <a:fld id="{DAABEDCD-67F0-4209-BAB4-F65DEDC0F01B}" type="datetimeFigureOut">
               <a:rPr lang="en-US" smtClean="0"/>
-              <a:t>3/15/2022</a:t>
+              <a:t>4/19/2022</a:t>
             </a:fld>
             <a:endParaRPr lang="en-US"/>
           </a:p>
@@ -2920,7 +2935,7 @@
           <a:p>
             <a:fld id="{DAABEDCD-67F0-4209-BAB4-F65DEDC0F01B}" type="datetimeFigureOut">
               <a:rPr lang="en-US" smtClean="0"/>
-              <a:t>3/15/2022</a:t>
+              <a:t>4/19/2022</a:t>
             </a:fld>
             <a:endParaRPr lang="en-US"/>
           </a:p>
@@ -3420,12 +3435,40 @@
           <a:chExt cx="0" cy="0"/>
         </a:xfrm>
       </p:grpSpPr>
+      <p:sp>
+        <p:nvSpPr>
+          <p:cNvPr id="2" name="Title 1">
+            <a:extLst>
+              <a:ext uri="{FF2B5EF4-FFF2-40B4-BE49-F238E27FC236}">
+                <a16:creationId xmlns:a16="http://schemas.microsoft.com/office/drawing/2014/main" id="{B1A66AD3-9287-42DF-91ED-58A3FB95C81E}"/>
+              </a:ext>
+            </a:extLst>
+          </p:cNvPr>
+          <p:cNvSpPr>
+            <a:spLocks noGrp="1"/>
+          </p:cNvSpPr>
+          <p:nvPr>
+            <p:ph type="title"/>
+          </p:nvPr>
+        </p:nvSpPr>
+        <p:spPr/>
+        <p:txBody>
+          <a:bodyPr/>
+          <a:lstStyle/>
+          <a:p>
+            <a:r>
+              <a:rPr lang="en-US" dirty="0"/>
+              <a:t>Covid Daily Cases Counts and Wastewater</a:t>
+            </a:r>
+          </a:p>
+        </p:txBody>
+      </p:sp>
       <p:pic>
         <p:nvPicPr>
-          <p:cNvPr id="7" name="Picture 6" descr="Histogram&#10;&#10;Description automatically generated">
-            <a:extLst>
-              <a:ext uri="{FF2B5EF4-FFF2-40B4-BE49-F238E27FC236}">
-                <a16:creationId xmlns:a16="http://schemas.microsoft.com/office/drawing/2014/main" id="{5456E4CB-A05B-435B-91C6-BFB357B4CF5B}"/>
+          <p:cNvPr id="9" name="Picture 8">
+            <a:extLst>
+              <a:ext uri="{FF2B5EF4-FFF2-40B4-BE49-F238E27FC236}">
+                <a16:creationId xmlns:a16="http://schemas.microsoft.com/office/drawing/2014/main" id="{376F0849-605B-4192-A2B9-B195191C0939}"/>
               </a:ext>
             </a:extLst>
           </p:cNvPr>
@@ -3435,21 +3478,15 @@
           <p:nvPr/>
         </p:nvPicPr>
         <p:blipFill>
-          <a:blip r:embed="rId2">
-            <a:extLst>
-              <a:ext uri="{28A0092B-C50C-407E-A947-70E740481C1C}">
-                <a14:useLocalDpi xmlns:a14="http://schemas.microsoft.com/office/drawing/2010/main" val="0"/>
-              </a:ext>
-            </a:extLst>
-          </a:blip>
+          <a:blip r:embed="rId2"/>
           <a:stretch>
             <a:fillRect/>
           </a:stretch>
         </p:blipFill>
         <p:spPr>
           <a:xfrm>
-            <a:off x="7075742" y="1012048"/>
-            <a:ext cx="4278058" cy="3009631"/>
+            <a:off x="1198902" y="1403887"/>
+            <a:ext cx="4438613" cy="5454113"/>
           </a:xfrm>
           <a:prstGeom prst="rect">
             <a:avLst/>
@@ -3458,10 +3495,10 @@
       </p:pic>
       <p:pic>
         <p:nvPicPr>
-          <p:cNvPr id="11" name="Picture 10" descr="Chart, histogram&#10;&#10;Description automatically generated">
-            <a:extLst>
-              <a:ext uri="{FF2B5EF4-FFF2-40B4-BE49-F238E27FC236}">
-                <a16:creationId xmlns:a16="http://schemas.microsoft.com/office/drawing/2014/main" id="{2A4114B5-D1AD-438A-8CC7-8D0E7924961A}"/>
+          <p:cNvPr id="11" name="Picture 10">
+            <a:extLst>
+              <a:ext uri="{FF2B5EF4-FFF2-40B4-BE49-F238E27FC236}">
+                <a16:creationId xmlns:a16="http://schemas.microsoft.com/office/drawing/2014/main" id="{7C880E45-2458-4DF5-86EC-49C4E1B6F87B}"/>
               </a:ext>
             </a:extLst>
           </p:cNvPr>
@@ -3471,121 +3508,15 @@
           <p:nvPr/>
         </p:nvPicPr>
         <p:blipFill>
-          <a:blip r:embed="rId3">
-            <a:extLst>
-              <a:ext uri="{28A0092B-C50C-407E-A947-70E740481C1C}">
-                <a14:useLocalDpi xmlns:a14="http://schemas.microsoft.com/office/drawing/2010/main" val="0"/>
-              </a:ext>
-            </a:extLst>
-          </a:blip>
+          <a:blip r:embed="rId3"/>
           <a:stretch>
             <a:fillRect/>
           </a:stretch>
         </p:blipFill>
         <p:spPr>
           <a:xfrm>
-            <a:off x="1097757" y="1121398"/>
-            <a:ext cx="4609289" cy="3242654"/>
-          </a:xfrm>
-          <a:prstGeom prst="rect">
-            <a:avLst/>
-          </a:prstGeom>
-        </p:spPr>
-      </p:pic>
-      <p:sp>
-        <p:nvSpPr>
-          <p:cNvPr id="2" name="Title 1">
-            <a:extLst>
-              <a:ext uri="{FF2B5EF4-FFF2-40B4-BE49-F238E27FC236}">
-                <a16:creationId xmlns:a16="http://schemas.microsoft.com/office/drawing/2014/main" id="{418EA693-EDB6-47E2-9D3C-74843D34133A}"/>
-              </a:ext>
-            </a:extLst>
-          </p:cNvPr>
-          <p:cNvSpPr>
-            <a:spLocks noGrp="1"/>
-          </p:cNvSpPr>
-          <p:nvPr>
-            <p:ph type="title"/>
-          </p:nvPr>
-        </p:nvSpPr>
-        <p:spPr/>
-        <p:txBody>
-          <a:bodyPr/>
-          <a:lstStyle/>
-          <a:p>
-            <a:r>
-              <a:rPr lang="en-US" dirty="0"/>
-              <a:t>Wastewater/BU Cases Ratios</a:t>
-            </a:r>
-          </a:p>
-        </p:txBody>
-      </p:sp>
-      <p:pic>
-        <p:nvPicPr>
-          <p:cNvPr id="5" name="Picture 4" descr="Chart, histogram&#10;&#10;Description automatically generated">
-            <a:extLst>
-              <a:ext uri="{FF2B5EF4-FFF2-40B4-BE49-F238E27FC236}">
-                <a16:creationId xmlns:a16="http://schemas.microsoft.com/office/drawing/2014/main" id="{15A19EC9-1A90-4D7D-BBD1-E62BD2756EC3}"/>
-              </a:ext>
-            </a:extLst>
-          </p:cNvPr>
-          <p:cNvPicPr>
-            <a:picLocks noChangeAspect="1"/>
-          </p:cNvPicPr>
-          <p:nvPr/>
-        </p:nvPicPr>
-        <p:blipFill>
-          <a:blip r:embed="rId4">
-            <a:extLst>
-              <a:ext uri="{28A0092B-C50C-407E-A947-70E740481C1C}">
-                <a14:useLocalDpi xmlns:a14="http://schemas.microsoft.com/office/drawing/2010/main" val="0"/>
-              </a:ext>
-            </a:extLst>
-          </a:blip>
-          <a:stretch>
-            <a:fillRect/>
-          </a:stretch>
-        </p:blipFill>
-        <p:spPr>
-          <a:xfrm>
-            <a:off x="7211929" y="3794761"/>
-            <a:ext cx="4354258" cy="3063239"/>
-          </a:xfrm>
-          <a:prstGeom prst="rect">
-            <a:avLst/>
-          </a:prstGeom>
-        </p:spPr>
-      </p:pic>
-      <p:pic>
-        <p:nvPicPr>
-          <p:cNvPr id="9" name="Picture 8" descr="Chart, histogram&#10;&#10;Description automatically generated">
-            <a:extLst>
-              <a:ext uri="{FF2B5EF4-FFF2-40B4-BE49-F238E27FC236}">
-                <a16:creationId xmlns:a16="http://schemas.microsoft.com/office/drawing/2014/main" id="{807B081D-A42A-4394-8472-FED37022FEE9}"/>
-              </a:ext>
-            </a:extLst>
-          </p:cNvPr>
-          <p:cNvPicPr>
-            <a:picLocks noChangeAspect="1"/>
-          </p:cNvPicPr>
-          <p:nvPr/>
-        </p:nvPicPr>
-        <p:blipFill>
-          <a:blip r:embed="rId5">
-            <a:extLst>
-              <a:ext uri="{28A0092B-C50C-407E-A947-70E740481C1C}">
-                <a14:useLocalDpi xmlns:a14="http://schemas.microsoft.com/office/drawing/2010/main" val="0"/>
-              </a:ext>
-            </a:extLst>
-          </a:blip>
-          <a:stretch>
-            <a:fillRect/>
-          </a:stretch>
-        </p:blipFill>
-        <p:spPr>
-          <a:xfrm>
-            <a:off x="967978" y="4021679"/>
-            <a:ext cx="4868846" cy="3425253"/>
+            <a:off x="6543147" y="1277427"/>
+            <a:ext cx="4449951" cy="5454113"/>
           </a:xfrm>
           <a:prstGeom prst="rect">
             <a:avLst/>
@@ -3595,7 +3526,7 @@
     </p:spTree>
     <p:extLst>
       <p:ext uri="{BB962C8B-B14F-4D97-AF65-F5344CB8AC3E}">
-        <p14:creationId xmlns:p14="http://schemas.microsoft.com/office/powerpoint/2010/main" val="1465347910"/>
+        <p14:creationId xmlns:p14="http://schemas.microsoft.com/office/powerpoint/2010/main" val="2241122260"/>
       </p:ext>
     </p:extLst>
   </p:cSld>
@@ -3627,7 +3558,7 @@
           <p:cNvPr id="2" name="Title 1">
             <a:extLst>
               <a:ext uri="{FF2B5EF4-FFF2-40B4-BE49-F238E27FC236}">
-                <a16:creationId xmlns:a16="http://schemas.microsoft.com/office/drawing/2014/main" id="{66BA56ED-2F97-43E1-AF16-0BEBC1038073}"/>
+                <a16:creationId xmlns:a16="http://schemas.microsoft.com/office/drawing/2014/main" id="{B1A66AD3-9287-42DF-91ED-58A3FB95C81E}"/>
               </a:ext>
             </a:extLst>
           </p:cNvPr>
@@ -3638,24 +3569,29 @@
             <p:ph type="title"/>
           </p:nvPr>
         </p:nvSpPr>
-        <p:spPr/>
+        <p:spPr>
+          <a:xfrm>
+            <a:off x="653373" y="92741"/>
+            <a:ext cx="11029545" cy="1325563"/>
+          </a:xfrm>
+        </p:spPr>
         <p:txBody>
           <a:bodyPr/>
           <a:lstStyle/>
           <a:p>
             <a:r>
               <a:rPr lang="en-US" dirty="0"/>
-              <a:t>Ratio Densities</a:t>
+              <a:t>Covid 7 Days Cumulative Cases and Wastewater</a:t>
             </a:r>
           </a:p>
         </p:txBody>
       </p:sp>
       <p:pic>
         <p:nvPicPr>
-          <p:cNvPr id="5" name="Picture 4" descr="Chart, histogram&#10;&#10;Description automatically generated">
-            <a:extLst>
-              <a:ext uri="{FF2B5EF4-FFF2-40B4-BE49-F238E27FC236}">
-                <a16:creationId xmlns:a16="http://schemas.microsoft.com/office/drawing/2014/main" id="{7BBE7860-40E4-44ED-845D-9932565B05A5}"/>
+          <p:cNvPr id="4" name="Picture 3">
+            <a:extLst>
+              <a:ext uri="{FF2B5EF4-FFF2-40B4-BE49-F238E27FC236}">
+                <a16:creationId xmlns:a16="http://schemas.microsoft.com/office/drawing/2014/main" id="{06118339-34D6-46EF-B6B4-F37A8E905F93}"/>
               </a:ext>
             </a:extLst>
           </p:cNvPr>
@@ -3665,21 +3601,45 @@
           <p:nvPr/>
         </p:nvPicPr>
         <p:blipFill>
-          <a:blip r:embed="rId2">
-            <a:extLst>
-              <a:ext uri="{28A0092B-C50C-407E-A947-70E740481C1C}">
-                <a14:useLocalDpi xmlns:a14="http://schemas.microsoft.com/office/drawing/2010/main" val="0"/>
-              </a:ext>
-            </a:extLst>
-          </a:blip>
+          <a:blip r:embed="rId2"/>
           <a:stretch>
             <a:fillRect/>
           </a:stretch>
         </p:blipFill>
         <p:spPr>
           <a:xfrm>
-            <a:off x="2386634" y="1788934"/>
-            <a:ext cx="7068536" cy="4972744"/>
+            <a:off x="1167318" y="983091"/>
+            <a:ext cx="4782073" cy="5874909"/>
+          </a:xfrm>
+          <a:prstGeom prst="rect">
+            <a:avLst/>
+          </a:prstGeom>
+        </p:spPr>
+      </p:pic>
+      <p:pic>
+        <p:nvPicPr>
+          <p:cNvPr id="8" name="Picture 7">
+            <a:extLst>
+              <a:ext uri="{FF2B5EF4-FFF2-40B4-BE49-F238E27FC236}">
+                <a16:creationId xmlns:a16="http://schemas.microsoft.com/office/drawing/2014/main" id="{15263465-3D3C-4FB5-ADE0-E2E56784A090}"/>
+              </a:ext>
+            </a:extLst>
+          </p:cNvPr>
+          <p:cNvPicPr>
+            <a:picLocks noChangeAspect="1"/>
+          </p:cNvPicPr>
+          <p:nvPr/>
+        </p:nvPicPr>
+        <p:blipFill>
+          <a:blip r:embed="rId3"/>
+          <a:stretch>
+            <a:fillRect/>
+          </a:stretch>
+        </p:blipFill>
+        <p:spPr>
+          <a:xfrm>
+            <a:off x="6657719" y="983090"/>
+            <a:ext cx="4705811" cy="5874910"/>
           </a:xfrm>
           <a:prstGeom prst="rect">
             <a:avLst/>
@@ -3689,7 +3649,7 @@
     </p:spTree>
     <p:extLst>
       <p:ext uri="{BB962C8B-B14F-4D97-AF65-F5344CB8AC3E}">
-        <p14:creationId xmlns:p14="http://schemas.microsoft.com/office/powerpoint/2010/main" val="1493402838"/>
+        <p14:creationId xmlns:p14="http://schemas.microsoft.com/office/powerpoint/2010/main" val="3602943117"/>
       </p:ext>
     </p:extLst>
   </p:cSld>
@@ -3716,12 +3676,101 @@
           <a:chExt cx="0" cy="0"/>
         </a:xfrm>
       </p:grpSpPr>
+      <p:sp>
+        <p:nvSpPr>
+          <p:cNvPr id="2" name="Title 1">
+            <a:extLst>
+              <a:ext uri="{FF2B5EF4-FFF2-40B4-BE49-F238E27FC236}">
+                <a16:creationId xmlns:a16="http://schemas.microsoft.com/office/drawing/2014/main" id="{3768B2AC-3DA0-4682-B361-F07A129E78D6}"/>
+              </a:ext>
+            </a:extLst>
+          </p:cNvPr>
+          <p:cNvSpPr>
+            <a:spLocks noGrp="1"/>
+          </p:cNvSpPr>
+          <p:nvPr>
+            <p:ph type="title"/>
+          </p:nvPr>
+        </p:nvSpPr>
+        <p:spPr/>
+        <p:txBody>
+          <a:bodyPr/>
+          <a:lstStyle/>
+          <a:p>
+            <a:r>
+              <a:rPr lang="en-US" dirty="0"/>
+              <a:t>Questions </a:t>
+            </a:r>
+          </a:p>
+        </p:txBody>
+      </p:sp>
+      <p:sp>
+        <p:nvSpPr>
+          <p:cNvPr id="3" name="Content Placeholder 2">
+            <a:extLst>
+              <a:ext uri="{FF2B5EF4-FFF2-40B4-BE49-F238E27FC236}">
+                <a16:creationId xmlns:a16="http://schemas.microsoft.com/office/drawing/2014/main" id="{D8043A1A-8186-4917-9A0B-ED34B9F532C6}"/>
+              </a:ext>
+            </a:extLst>
+          </p:cNvPr>
+          <p:cNvSpPr>
+            <a:spLocks noGrp="1"/>
+          </p:cNvSpPr>
+          <p:nvPr>
+            <p:ph idx="1"/>
+          </p:nvPr>
+        </p:nvSpPr>
+        <p:spPr/>
+        <p:txBody>
+          <a:bodyPr/>
+          <a:lstStyle/>
+          <a:p>
+            <a:pPr marL="514350" indent="-514350">
+              <a:buAutoNum type="arabicPeriod"/>
+            </a:pPr>
+            <a:r>
+              <a:rPr lang="en-US" dirty="0"/>
+              <a:t>A lot of &lt;5 in the Covid datasets, totally 7188 (29%) for &lt;5 </a:t>
+            </a:r>
+          </a:p>
+          <a:p>
+            <a:pPr marL="514350" indent="-514350">
+              <a:buAutoNum type="arabicPeriod"/>
+            </a:pPr>
+            <a:r>
+              <a:rPr lang="en-US" dirty="0"/>
+              <a:t>Cross over Southern and Northern.</a:t>
+            </a:r>
+          </a:p>
+          <a:p>
+            <a:pPr marL="514350" indent="-514350">
+              <a:buAutoNum type="arabicPeriod"/>
+            </a:pPr>
+            <a:r>
+              <a:rPr lang="en-US" dirty="0"/>
+              <a:t>Missing values both in Covid dataset and Wastewater</a:t>
+            </a:r>
+          </a:p>
+          <a:p>
+            <a:pPr marL="514350" indent="-514350">
+              <a:buAutoNum type="arabicPeriod"/>
+            </a:pPr>
+            <a:endParaRPr lang="en-US" dirty="0"/>
+          </a:p>
+          <a:p>
+            <a:pPr marL="514350" indent="-514350">
+              <a:buAutoNum type="arabicPeriod"/>
+            </a:pPr>
+            <a:endParaRPr lang="en-US" dirty="0"/>
+          </a:p>
+        </p:txBody>
+      </p:sp>
       <p:pic>
         <p:nvPicPr>
-          <p:cNvPr id="5" name="Picture 4">
-            <a:extLst>
-              <a:ext uri="{FF2B5EF4-FFF2-40B4-BE49-F238E27FC236}">
-                <a16:creationId xmlns:a16="http://schemas.microsoft.com/office/drawing/2014/main" id="{4564C2A0-1910-4970-A9F5-90CB43169204}"/>
+          <p:cNvPr id="5" name="Picture 4" descr="Chart, bar chart&#10;&#10;Description automatically generated">
+            <a:extLst>
+              <a:ext uri="{FF2B5EF4-FFF2-40B4-BE49-F238E27FC236}">
+                <a16:creationId xmlns:a16="http://schemas.microsoft.com/office/drawing/2014/main" id="{709661E6-02F8-440C-9F35-DBDC059DFF26}"/>
               </a:ext>
             </a:extLst>
           </p:cNvPr>
@@ -3731,55 +3780,33 @@
           <p:nvPr/>
         </p:nvPicPr>
         <p:blipFill>
-          <a:blip r:embed="rId2"/>
+          <a:blip r:embed="rId2">
+            <a:extLst>
+              <a:ext uri="{28A0092B-C50C-407E-A947-70E740481C1C}">
+                <a14:useLocalDpi xmlns:a14="http://schemas.microsoft.com/office/drawing/2010/main" val="0"/>
+              </a:ext>
+            </a:extLst>
+          </a:blip>
           <a:stretch>
             <a:fillRect/>
           </a:stretch>
         </p:blipFill>
         <p:spPr>
           <a:xfrm>
-            <a:off x="351816" y="2613542"/>
-            <a:ext cx="11488366" cy="3809788"/>
+            <a:off x="7162968" y="3645828"/>
+            <a:ext cx="4473330" cy="2757353"/>
           </a:xfrm>
           <a:prstGeom prst="rect">
             <a:avLst/>
           </a:prstGeom>
         </p:spPr>
       </p:pic>
-      <p:sp>
-        <p:nvSpPr>
-          <p:cNvPr id="2" name="Title 1">
-            <a:extLst>
-              <a:ext uri="{FF2B5EF4-FFF2-40B4-BE49-F238E27FC236}">
-                <a16:creationId xmlns:a16="http://schemas.microsoft.com/office/drawing/2014/main" id="{AF58B6AC-E9CA-485C-9F67-7969C31D708C}"/>
-              </a:ext>
-            </a:extLst>
-          </p:cNvPr>
-          <p:cNvSpPr>
-            <a:spLocks noGrp="1"/>
-          </p:cNvSpPr>
-          <p:nvPr>
-            <p:ph type="title"/>
-          </p:nvPr>
-        </p:nvSpPr>
-        <p:spPr/>
-        <p:txBody>
-          <a:bodyPr/>
-          <a:lstStyle/>
-          <a:p>
-            <a:r>
-              <a:rPr lang="en-US" dirty="0"/>
-              <a:t>Interesting Things </a:t>
-            </a:r>
-          </a:p>
-        </p:txBody>
-      </p:sp>
       <p:pic>
         <p:nvPicPr>
-          <p:cNvPr id="7" name="Picture 6">
-            <a:extLst>
-              <a:ext uri="{FF2B5EF4-FFF2-40B4-BE49-F238E27FC236}">
-                <a16:creationId xmlns:a16="http://schemas.microsoft.com/office/drawing/2014/main" id="{F88C2353-DE32-4857-B51D-312C8304FC37}"/>
+          <p:cNvPr id="7" name="Picture 6" descr="Map&#10;&#10;Description automatically generated">
+            <a:extLst>
+              <a:ext uri="{FF2B5EF4-FFF2-40B4-BE49-F238E27FC236}">
+                <a16:creationId xmlns:a16="http://schemas.microsoft.com/office/drawing/2014/main" id="{123D1E02-82FC-431D-AC86-02A2D5873732}"/>
               </a:ext>
             </a:extLst>
           </p:cNvPr>
@@ -3789,15 +3816,21 @@
           <p:nvPr/>
         </p:nvPicPr>
         <p:blipFill>
-          <a:blip r:embed="rId3"/>
+          <a:blip r:embed="rId3">
+            <a:extLst>
+              <a:ext uri="{28A0092B-C50C-407E-A947-70E740481C1C}">
+                <a14:useLocalDpi xmlns:a14="http://schemas.microsoft.com/office/drawing/2010/main" val="0"/>
+              </a:ext>
+            </a:extLst>
+          </a:blip>
           <a:stretch>
             <a:fillRect/>
           </a:stretch>
         </p:blipFill>
         <p:spPr>
           <a:xfrm>
-            <a:off x="5235304" y="275607"/>
-            <a:ext cx="2888709" cy="2682373"/>
+            <a:off x="2272748" y="3429000"/>
+            <a:ext cx="3200400" cy="3200400"/>
           </a:xfrm>
           <a:prstGeom prst="rect">
             <a:avLst/>
@@ -3807,7 +3840,1176 @@
     </p:spTree>
     <p:extLst>
       <p:ext uri="{BB962C8B-B14F-4D97-AF65-F5344CB8AC3E}">
-        <p14:creationId xmlns:p14="http://schemas.microsoft.com/office/powerpoint/2010/main" val="3426202900"/>
+        <p14:creationId xmlns:p14="http://schemas.microsoft.com/office/powerpoint/2010/main" val="2072119175"/>
+      </p:ext>
+    </p:extLst>
+  </p:cSld>
+  <p:clrMapOvr>
+    <a:masterClrMapping/>
+  </p:clrMapOvr>
+</p:sld>
+</file>
+
+<file path=ppt/slides/slide13.xml><?xml version="1.0" encoding="utf-8"?>
+<p:sld xmlns:a="http://schemas.openxmlformats.org/drawingml/2006/main" xmlns:r="http://schemas.openxmlformats.org/officeDocument/2006/relationships" xmlns:p="http://schemas.openxmlformats.org/presentationml/2006/main">
+  <p:cSld>
+    <p:spTree>
+      <p:nvGrpSpPr>
+        <p:cNvPr id="1" name=""/>
+        <p:cNvGrpSpPr/>
+        <p:nvPr/>
+      </p:nvGrpSpPr>
+      <p:grpSpPr>
+        <a:xfrm>
+          <a:off x="0" y="0"/>
+          <a:ext cx="0" cy="0"/>
+          <a:chOff x="0" y="0"/>
+          <a:chExt cx="0" cy="0"/>
+        </a:xfrm>
+      </p:grpSpPr>
+      <p:sp>
+        <p:nvSpPr>
+          <p:cNvPr id="2" name="Title 1">
+            <a:extLst>
+              <a:ext uri="{FF2B5EF4-FFF2-40B4-BE49-F238E27FC236}">
+                <a16:creationId xmlns:a16="http://schemas.microsoft.com/office/drawing/2014/main" id="{ED802967-2AD4-4294-92E6-EA60D5B64A68}"/>
+              </a:ext>
+            </a:extLst>
+          </p:cNvPr>
+          <p:cNvSpPr>
+            <a:spLocks noGrp="1"/>
+          </p:cNvSpPr>
+          <p:nvPr>
+            <p:ph type="title"/>
+          </p:nvPr>
+        </p:nvSpPr>
+        <p:spPr/>
+        <p:txBody>
+          <a:bodyPr/>
+          <a:lstStyle/>
+          <a:p>
+            <a:r>
+              <a:rPr lang="en-US" dirty="0"/>
+              <a:t>Missing Data</a:t>
+            </a:r>
+          </a:p>
+        </p:txBody>
+      </p:sp>
+      <p:sp>
+        <p:nvSpPr>
+          <p:cNvPr id="3" name="Content Placeholder 2">
+            <a:extLst>
+              <a:ext uri="{FF2B5EF4-FFF2-40B4-BE49-F238E27FC236}">
+                <a16:creationId xmlns:a16="http://schemas.microsoft.com/office/drawing/2014/main" id="{5280303E-DADD-4DD7-A866-C43FE5A0B7FD}"/>
+              </a:ext>
+            </a:extLst>
+          </p:cNvPr>
+          <p:cNvSpPr>
+            <a:spLocks noGrp="1"/>
+          </p:cNvSpPr>
+          <p:nvPr>
+            <p:ph idx="1"/>
+          </p:nvPr>
+        </p:nvSpPr>
+        <p:spPr>
+          <a:xfrm>
+            <a:off x="67397" y="5153509"/>
+            <a:ext cx="6818491" cy="1512198"/>
+          </a:xfrm>
+        </p:spPr>
+        <p:txBody>
+          <a:bodyPr/>
+          <a:lstStyle/>
+          <a:p>
+            <a:r>
+              <a:rPr lang="en-US" dirty="0"/>
+              <a:t>Fill </a:t>
+            </a:r>
+            <a:r>
+              <a:rPr lang="en-US" dirty="0" err="1"/>
+              <a:t>Nas</a:t>
+            </a:r>
+            <a:r>
+              <a:rPr lang="en-US" dirty="0"/>
+              <a:t> with the average of 10 days values (5 days before and after)  </a:t>
+            </a:r>
+          </a:p>
+        </p:txBody>
+      </p:sp>
+      <p:pic>
+        <p:nvPicPr>
+          <p:cNvPr id="7" name="Picture 6" descr="Chart, bar chart&#10;&#10;Description automatically generated">
+            <a:extLst>
+              <a:ext uri="{FF2B5EF4-FFF2-40B4-BE49-F238E27FC236}">
+                <a16:creationId xmlns:a16="http://schemas.microsoft.com/office/drawing/2014/main" id="{97826D25-9209-4D03-9CE1-E2EA90951E09}"/>
+              </a:ext>
+            </a:extLst>
+          </p:cNvPr>
+          <p:cNvPicPr>
+            <a:picLocks noChangeAspect="1"/>
+          </p:cNvPicPr>
+          <p:nvPr/>
+        </p:nvPicPr>
+        <p:blipFill>
+          <a:blip r:embed="rId2">
+            <a:extLst>
+              <a:ext uri="{28A0092B-C50C-407E-A947-70E740481C1C}">
+                <a14:useLocalDpi xmlns:a14="http://schemas.microsoft.com/office/drawing/2010/main" val="0"/>
+              </a:ext>
+            </a:extLst>
+          </a:blip>
+          <a:stretch>
+            <a:fillRect/>
+          </a:stretch>
+        </p:blipFill>
+        <p:spPr>
+          <a:xfrm>
+            <a:off x="797159" y="1461460"/>
+            <a:ext cx="5298841" cy="3692049"/>
+          </a:xfrm>
+          <a:prstGeom prst="rect">
+            <a:avLst/>
+          </a:prstGeom>
+        </p:spPr>
+      </p:pic>
+      <p:pic>
+        <p:nvPicPr>
+          <p:cNvPr id="9" name="Picture 8" descr="Chart, bar chart&#10;&#10;Description automatically generated">
+            <a:extLst>
+              <a:ext uri="{FF2B5EF4-FFF2-40B4-BE49-F238E27FC236}">
+                <a16:creationId xmlns:a16="http://schemas.microsoft.com/office/drawing/2014/main" id="{6F647749-004B-4EA2-8352-A282B2B6F098}"/>
+              </a:ext>
+            </a:extLst>
+          </p:cNvPr>
+          <p:cNvPicPr>
+            <a:picLocks noChangeAspect="1"/>
+          </p:cNvPicPr>
+          <p:nvPr/>
+        </p:nvPicPr>
+        <p:blipFill>
+          <a:blip r:embed="rId3">
+            <a:extLst>
+              <a:ext uri="{28A0092B-C50C-407E-A947-70E740481C1C}">
+                <a14:useLocalDpi xmlns:a14="http://schemas.microsoft.com/office/drawing/2010/main" val="0"/>
+              </a:ext>
+            </a:extLst>
+          </a:blip>
+          <a:stretch>
+            <a:fillRect/>
+          </a:stretch>
+        </p:blipFill>
+        <p:spPr>
+          <a:xfrm>
+            <a:off x="6819108" y="3449018"/>
+            <a:ext cx="4892581" cy="3408982"/>
+          </a:xfrm>
+          <a:prstGeom prst="rect">
+            <a:avLst/>
+          </a:prstGeom>
+        </p:spPr>
+      </p:pic>
+      <p:pic>
+        <p:nvPicPr>
+          <p:cNvPr id="11" name="Picture 10" descr="Chart, bar chart&#10;&#10;Description automatically generated">
+            <a:extLst>
+              <a:ext uri="{FF2B5EF4-FFF2-40B4-BE49-F238E27FC236}">
+                <a16:creationId xmlns:a16="http://schemas.microsoft.com/office/drawing/2014/main" id="{071A8437-12C1-48C1-A2DA-57B82F757642}"/>
+              </a:ext>
+            </a:extLst>
+          </p:cNvPr>
+          <p:cNvPicPr>
+            <a:picLocks noChangeAspect="1"/>
+          </p:cNvPicPr>
+          <p:nvPr/>
+        </p:nvPicPr>
+        <p:blipFill>
+          <a:blip r:embed="rId4">
+            <a:extLst>
+              <a:ext uri="{28A0092B-C50C-407E-A947-70E740481C1C}">
+                <a14:useLocalDpi xmlns:a14="http://schemas.microsoft.com/office/drawing/2010/main" val="0"/>
+              </a:ext>
+            </a:extLst>
+          </a:blip>
+          <a:stretch>
+            <a:fillRect/>
+          </a:stretch>
+        </p:blipFill>
+        <p:spPr>
+          <a:xfrm>
+            <a:off x="6885888" y="108655"/>
+            <a:ext cx="4894308" cy="3410185"/>
+          </a:xfrm>
+          <a:prstGeom prst="rect">
+            <a:avLst/>
+          </a:prstGeom>
+        </p:spPr>
+      </p:pic>
+    </p:spTree>
+    <p:extLst>
+      <p:ext uri="{BB962C8B-B14F-4D97-AF65-F5344CB8AC3E}">
+        <p14:creationId xmlns:p14="http://schemas.microsoft.com/office/powerpoint/2010/main" val="99140227"/>
+      </p:ext>
+    </p:extLst>
+  </p:cSld>
+  <p:clrMapOvr>
+    <a:masterClrMapping/>
+  </p:clrMapOvr>
+</p:sld>
+</file>
+
+<file path=ppt/slides/slide14.xml><?xml version="1.0" encoding="utf-8"?>
+<p:sld xmlns:a="http://schemas.openxmlformats.org/drawingml/2006/main" xmlns:r="http://schemas.openxmlformats.org/officeDocument/2006/relationships" xmlns:p="http://schemas.openxmlformats.org/presentationml/2006/main">
+  <p:cSld>
+    <p:spTree>
+      <p:nvGrpSpPr>
+        <p:cNvPr id="1" name=""/>
+        <p:cNvGrpSpPr/>
+        <p:nvPr/>
+      </p:nvGrpSpPr>
+      <p:grpSpPr>
+        <a:xfrm>
+          <a:off x="0" y="0"/>
+          <a:ext cx="0" cy="0"/>
+          <a:chOff x="0" y="0"/>
+          <a:chExt cx="0" cy="0"/>
+        </a:xfrm>
+      </p:grpSpPr>
+      <p:sp>
+        <p:nvSpPr>
+          <p:cNvPr id="2" name="Title 1">
+            <a:extLst>
+              <a:ext uri="{FF2B5EF4-FFF2-40B4-BE49-F238E27FC236}">
+                <a16:creationId xmlns:a16="http://schemas.microsoft.com/office/drawing/2014/main" id="{AD78B594-1CEB-441E-8305-700FE64F6406}"/>
+              </a:ext>
+            </a:extLst>
+          </p:cNvPr>
+          <p:cNvSpPr>
+            <a:spLocks noGrp="1"/>
+          </p:cNvSpPr>
+          <p:nvPr>
+            <p:ph type="title"/>
+          </p:nvPr>
+        </p:nvSpPr>
+        <p:spPr>
+          <a:xfrm>
+            <a:off x="838200" y="316487"/>
+            <a:ext cx="10515600" cy="1325563"/>
+          </a:xfrm>
+        </p:spPr>
+        <p:txBody>
+          <a:bodyPr/>
+          <a:lstStyle/>
+          <a:p>
+            <a:r>
+              <a:rPr lang="en-US" dirty="0"/>
+              <a:t>Covid Cases Count and Wastewater Peaks </a:t>
+            </a:r>
+          </a:p>
+        </p:txBody>
+      </p:sp>
+      <p:pic>
+        <p:nvPicPr>
+          <p:cNvPr id="7" name="Picture 6" descr="Chart, histogram&#10;&#10;Description automatically generated">
+            <a:extLst>
+              <a:ext uri="{FF2B5EF4-FFF2-40B4-BE49-F238E27FC236}">
+                <a16:creationId xmlns:a16="http://schemas.microsoft.com/office/drawing/2014/main" id="{30A34C5C-7491-4082-93F6-17FFD263E188}"/>
+              </a:ext>
+            </a:extLst>
+          </p:cNvPr>
+          <p:cNvPicPr>
+            <a:picLocks noChangeAspect="1"/>
+          </p:cNvPicPr>
+          <p:nvPr/>
+        </p:nvPicPr>
+        <p:blipFill>
+          <a:blip r:embed="rId2">
+            <a:extLst>
+              <a:ext uri="{28A0092B-C50C-407E-A947-70E740481C1C}">
+                <a14:useLocalDpi xmlns:a14="http://schemas.microsoft.com/office/drawing/2010/main" val="0"/>
+              </a:ext>
+            </a:extLst>
+          </a:blip>
+          <a:stretch>
+            <a:fillRect/>
+          </a:stretch>
+        </p:blipFill>
+        <p:spPr>
+          <a:xfrm>
+            <a:off x="0" y="1806260"/>
+            <a:ext cx="6036037" cy="4686615"/>
+          </a:xfrm>
+          <a:prstGeom prst="rect">
+            <a:avLst/>
+          </a:prstGeom>
+        </p:spPr>
+      </p:pic>
+      <p:pic>
+        <p:nvPicPr>
+          <p:cNvPr id="10" name="Content Placeholder 8" descr="Chart, histogram&#10;&#10;Description automatically generated">
+            <a:extLst>
+              <a:ext uri="{FF2B5EF4-FFF2-40B4-BE49-F238E27FC236}">
+                <a16:creationId xmlns:a16="http://schemas.microsoft.com/office/drawing/2014/main" id="{B4F819CF-4BEC-433E-9E9C-F3EA1BCD6195}"/>
+              </a:ext>
+            </a:extLst>
+          </p:cNvPr>
+          <p:cNvPicPr>
+            <a:picLocks noGrp="1" noChangeAspect="1"/>
+          </p:cNvPicPr>
+          <p:nvPr>
+            <p:ph idx="1"/>
+          </p:nvPr>
+        </p:nvPicPr>
+        <p:blipFill>
+          <a:blip r:embed="rId3">
+            <a:extLst>
+              <a:ext uri="{28A0092B-C50C-407E-A947-70E740481C1C}">
+                <a14:useLocalDpi xmlns:a14="http://schemas.microsoft.com/office/drawing/2010/main" val="0"/>
+              </a:ext>
+            </a:extLst>
+          </a:blip>
+          <a:stretch>
+            <a:fillRect/>
+          </a:stretch>
+        </p:blipFill>
+        <p:spPr>
+          <a:xfrm>
+            <a:off x="5787777" y="1765282"/>
+            <a:ext cx="6459345" cy="4768569"/>
+          </a:xfrm>
+        </p:spPr>
+      </p:pic>
+    </p:spTree>
+    <p:extLst>
+      <p:ext uri="{BB962C8B-B14F-4D97-AF65-F5344CB8AC3E}">
+        <p14:creationId xmlns:p14="http://schemas.microsoft.com/office/powerpoint/2010/main" val="1486253992"/>
+      </p:ext>
+    </p:extLst>
+  </p:cSld>
+  <p:clrMapOvr>
+    <a:masterClrMapping/>
+  </p:clrMapOvr>
+</p:sld>
+</file>
+
+<file path=ppt/slides/slide15.xml><?xml version="1.0" encoding="utf-8"?>
+<p:sld xmlns:a="http://schemas.openxmlformats.org/drawingml/2006/main" xmlns:r="http://schemas.openxmlformats.org/officeDocument/2006/relationships" xmlns:p="http://schemas.openxmlformats.org/presentationml/2006/main">
+  <p:cSld>
+    <p:spTree>
+      <p:nvGrpSpPr>
+        <p:cNvPr id="1" name=""/>
+        <p:cNvGrpSpPr/>
+        <p:nvPr/>
+      </p:nvGrpSpPr>
+      <p:grpSpPr>
+        <a:xfrm>
+          <a:off x="0" y="0"/>
+          <a:ext cx="0" cy="0"/>
+          <a:chOff x="0" y="0"/>
+          <a:chExt cx="0" cy="0"/>
+        </a:xfrm>
+      </p:grpSpPr>
+      <p:sp>
+        <p:nvSpPr>
+          <p:cNvPr id="2" name="Title 1">
+            <a:extLst>
+              <a:ext uri="{FF2B5EF4-FFF2-40B4-BE49-F238E27FC236}">
+                <a16:creationId xmlns:a16="http://schemas.microsoft.com/office/drawing/2014/main" id="{D9E9A2D6-DD4C-4DC9-AC5B-8F6A5FB6C924}"/>
+              </a:ext>
+            </a:extLst>
+          </p:cNvPr>
+          <p:cNvSpPr>
+            <a:spLocks noGrp="1"/>
+          </p:cNvSpPr>
+          <p:nvPr>
+            <p:ph type="title"/>
+          </p:nvPr>
+        </p:nvSpPr>
+        <p:spPr/>
+        <p:txBody>
+          <a:bodyPr/>
+          <a:lstStyle/>
+          <a:p>
+            <a:r>
+              <a:rPr lang="en-US" dirty="0"/>
+              <a:t>Covid Cases Count and Wastewater Peaks </a:t>
+            </a:r>
+          </a:p>
+        </p:txBody>
+      </p:sp>
+      <p:pic>
+        <p:nvPicPr>
+          <p:cNvPr id="11" name="Picture 10" descr="Chart&#10;&#10;Description automatically generated">
+            <a:extLst>
+              <a:ext uri="{FF2B5EF4-FFF2-40B4-BE49-F238E27FC236}">
+                <a16:creationId xmlns:a16="http://schemas.microsoft.com/office/drawing/2014/main" id="{C37C6AB1-36E2-4732-AFFB-971F8BC9D48C}"/>
+              </a:ext>
+            </a:extLst>
+          </p:cNvPr>
+          <p:cNvPicPr>
+            <a:picLocks noChangeAspect="1"/>
+          </p:cNvPicPr>
+          <p:nvPr/>
+        </p:nvPicPr>
+        <p:blipFill>
+          <a:blip r:embed="rId2">
+            <a:extLst>
+              <a:ext uri="{28A0092B-C50C-407E-A947-70E740481C1C}">
+                <a14:useLocalDpi xmlns:a14="http://schemas.microsoft.com/office/drawing/2010/main" val="0"/>
+              </a:ext>
+            </a:extLst>
+          </a:blip>
+          <a:stretch>
+            <a:fillRect/>
+          </a:stretch>
+        </p:blipFill>
+        <p:spPr>
+          <a:xfrm>
+            <a:off x="6547526" y="1799618"/>
+            <a:ext cx="5214947" cy="3851610"/>
+          </a:xfrm>
+          <a:prstGeom prst="rect">
+            <a:avLst/>
+          </a:prstGeom>
+        </p:spPr>
+      </p:pic>
+      <p:pic>
+        <p:nvPicPr>
+          <p:cNvPr id="14" name="Picture 13" descr="Chart, box and whisker chart&#10;&#10;Description automatically generated">
+            <a:extLst>
+              <a:ext uri="{FF2B5EF4-FFF2-40B4-BE49-F238E27FC236}">
+                <a16:creationId xmlns:a16="http://schemas.microsoft.com/office/drawing/2014/main" id="{F94CE0C6-518E-480C-974B-98021F050774}"/>
+              </a:ext>
+            </a:extLst>
+          </p:cNvPr>
+          <p:cNvPicPr>
+            <a:picLocks noChangeAspect="1"/>
+          </p:cNvPicPr>
+          <p:nvPr/>
+        </p:nvPicPr>
+        <p:blipFill>
+          <a:blip r:embed="rId3">
+            <a:extLst>
+              <a:ext uri="{28A0092B-C50C-407E-A947-70E740481C1C}">
+                <a14:useLocalDpi xmlns:a14="http://schemas.microsoft.com/office/drawing/2010/main" val="0"/>
+              </a:ext>
+            </a:extLst>
+          </a:blip>
+          <a:stretch>
+            <a:fillRect/>
+          </a:stretch>
+        </p:blipFill>
+        <p:spPr>
+          <a:xfrm>
+            <a:off x="429527" y="2164429"/>
+            <a:ext cx="6077337" cy="3437618"/>
+          </a:xfrm>
+          <a:prstGeom prst="rect">
+            <a:avLst/>
+          </a:prstGeom>
+        </p:spPr>
+      </p:pic>
+    </p:spTree>
+    <p:extLst>
+      <p:ext uri="{BB962C8B-B14F-4D97-AF65-F5344CB8AC3E}">
+        <p14:creationId xmlns:p14="http://schemas.microsoft.com/office/powerpoint/2010/main" val="1296238401"/>
+      </p:ext>
+    </p:extLst>
+  </p:cSld>
+  <p:clrMapOvr>
+    <a:masterClrMapping/>
+  </p:clrMapOvr>
+</p:sld>
+</file>
+
+<file path=ppt/slides/slide16.xml><?xml version="1.0" encoding="utf-8"?>
+<p:sld xmlns:a="http://schemas.openxmlformats.org/drawingml/2006/main" xmlns:r="http://schemas.openxmlformats.org/officeDocument/2006/relationships" xmlns:p="http://schemas.openxmlformats.org/presentationml/2006/main">
+  <p:cSld>
+    <p:spTree>
+      <p:nvGrpSpPr>
+        <p:cNvPr id="1" name=""/>
+        <p:cNvGrpSpPr/>
+        <p:nvPr/>
+      </p:nvGrpSpPr>
+      <p:grpSpPr>
+        <a:xfrm>
+          <a:off x="0" y="0"/>
+          <a:ext cx="0" cy="0"/>
+          <a:chOff x="0" y="0"/>
+          <a:chExt cx="0" cy="0"/>
+        </a:xfrm>
+      </p:grpSpPr>
+      <p:sp>
+        <p:nvSpPr>
+          <p:cNvPr id="2" name="Title 1">
+            <a:extLst>
+              <a:ext uri="{FF2B5EF4-FFF2-40B4-BE49-F238E27FC236}">
+                <a16:creationId xmlns:a16="http://schemas.microsoft.com/office/drawing/2014/main" id="{9224DEE3-498C-44D3-9C29-1F904B4A0648}"/>
+              </a:ext>
+            </a:extLst>
+          </p:cNvPr>
+          <p:cNvSpPr>
+            <a:spLocks noGrp="1"/>
+          </p:cNvSpPr>
+          <p:nvPr>
+            <p:ph type="title"/>
+          </p:nvPr>
+        </p:nvSpPr>
+        <p:spPr/>
+        <p:txBody>
+          <a:bodyPr/>
+          <a:lstStyle/>
+          <a:p>
+            <a:r>
+              <a:rPr lang="en-US" dirty="0"/>
+              <a:t>Covid Cases Count and Wastewater Peaks </a:t>
+            </a:r>
+          </a:p>
+        </p:txBody>
+      </p:sp>
+      <p:pic>
+        <p:nvPicPr>
+          <p:cNvPr id="5" name="Picture 4" descr="Chart&#10;&#10;Description automatically generated">
+            <a:extLst>
+              <a:ext uri="{FF2B5EF4-FFF2-40B4-BE49-F238E27FC236}">
+                <a16:creationId xmlns:a16="http://schemas.microsoft.com/office/drawing/2014/main" id="{D1AF7E05-38FE-4522-8661-5B83C57B8BA0}"/>
+              </a:ext>
+            </a:extLst>
+          </p:cNvPr>
+          <p:cNvPicPr>
+            <a:picLocks noChangeAspect="1"/>
+          </p:cNvPicPr>
+          <p:nvPr/>
+        </p:nvPicPr>
+        <p:blipFill>
+          <a:blip r:embed="rId2">
+            <a:extLst>
+              <a:ext uri="{28A0092B-C50C-407E-A947-70E740481C1C}">
+                <a14:useLocalDpi xmlns:a14="http://schemas.microsoft.com/office/drawing/2010/main" val="0"/>
+              </a:ext>
+            </a:extLst>
+          </a:blip>
+          <a:stretch>
+            <a:fillRect/>
+          </a:stretch>
+        </p:blipFill>
+        <p:spPr>
+          <a:xfrm>
+            <a:off x="497001" y="1245392"/>
+            <a:ext cx="4775391" cy="3047996"/>
+          </a:xfrm>
+          <a:prstGeom prst="rect">
+            <a:avLst/>
+          </a:prstGeom>
+        </p:spPr>
+      </p:pic>
+      <p:pic>
+        <p:nvPicPr>
+          <p:cNvPr id="7" name="Picture 6" descr="Chart&#10;&#10;Description automatically generated">
+            <a:extLst>
+              <a:ext uri="{FF2B5EF4-FFF2-40B4-BE49-F238E27FC236}">
+                <a16:creationId xmlns:a16="http://schemas.microsoft.com/office/drawing/2014/main" id="{E276F732-37B6-4FB4-B3C2-2A9A8D872919}"/>
+              </a:ext>
+            </a:extLst>
+          </p:cNvPr>
+          <p:cNvPicPr>
+            <a:picLocks noChangeAspect="1"/>
+          </p:cNvPicPr>
+          <p:nvPr/>
+        </p:nvPicPr>
+        <p:blipFill>
+          <a:blip r:embed="rId3">
+            <a:extLst>
+              <a:ext uri="{28A0092B-C50C-407E-A947-70E740481C1C}">
+                <a14:useLocalDpi xmlns:a14="http://schemas.microsoft.com/office/drawing/2010/main" val="0"/>
+              </a:ext>
+            </a:extLst>
+          </a:blip>
+          <a:stretch>
+            <a:fillRect/>
+          </a:stretch>
+        </p:blipFill>
+        <p:spPr>
+          <a:xfrm>
+            <a:off x="674896" y="4029820"/>
+            <a:ext cx="4419600" cy="2820905"/>
+          </a:xfrm>
+          <a:prstGeom prst="rect">
+            <a:avLst/>
+          </a:prstGeom>
+        </p:spPr>
+      </p:pic>
+      <p:pic>
+        <p:nvPicPr>
+          <p:cNvPr id="8" name="Content Placeholder 4" descr="Chart, histogram&#10;&#10;Description automatically generated">
+            <a:extLst>
+              <a:ext uri="{FF2B5EF4-FFF2-40B4-BE49-F238E27FC236}">
+                <a16:creationId xmlns:a16="http://schemas.microsoft.com/office/drawing/2014/main" id="{4C27E1AA-7B31-42F7-BD75-2A976953DF3C}"/>
+              </a:ext>
+            </a:extLst>
+          </p:cNvPr>
+          <p:cNvPicPr>
+            <a:picLocks noGrp="1" noChangeAspect="1"/>
+          </p:cNvPicPr>
+          <p:nvPr>
+            <p:ph idx="1"/>
+          </p:nvPr>
+        </p:nvPicPr>
+        <p:blipFill>
+          <a:blip r:embed="rId4">
+            <a:extLst>
+              <a:ext uri="{28A0092B-C50C-407E-A947-70E740481C1C}">
+                <a14:useLocalDpi xmlns:a14="http://schemas.microsoft.com/office/drawing/2010/main" val="0"/>
+              </a:ext>
+            </a:extLst>
+          </a:blip>
+          <a:stretch>
+            <a:fillRect/>
+          </a:stretch>
+        </p:blipFill>
+        <p:spPr>
+          <a:xfrm>
+            <a:off x="6454800" y="4029821"/>
+            <a:ext cx="4419600" cy="2820905"/>
+          </a:xfrm>
+        </p:spPr>
+      </p:pic>
+      <p:pic>
+        <p:nvPicPr>
+          <p:cNvPr id="9" name="Picture 8" descr="Chart&#10;&#10;Description automatically generated">
+            <a:extLst>
+              <a:ext uri="{FF2B5EF4-FFF2-40B4-BE49-F238E27FC236}">
+                <a16:creationId xmlns:a16="http://schemas.microsoft.com/office/drawing/2014/main" id="{A1F1EDEE-0E11-4A45-A9BF-234EBBF543B7}"/>
+              </a:ext>
+            </a:extLst>
+          </p:cNvPr>
+          <p:cNvPicPr>
+            <a:picLocks noChangeAspect="1"/>
+          </p:cNvPicPr>
+          <p:nvPr/>
+        </p:nvPicPr>
+        <p:blipFill>
+          <a:blip r:embed="rId5">
+            <a:extLst>
+              <a:ext uri="{28A0092B-C50C-407E-A947-70E740481C1C}">
+                <a14:useLocalDpi xmlns:a14="http://schemas.microsoft.com/office/drawing/2010/main" val="0"/>
+              </a:ext>
+            </a:extLst>
+          </a:blip>
+          <a:stretch>
+            <a:fillRect/>
+          </a:stretch>
+        </p:blipFill>
+        <p:spPr>
+          <a:xfrm>
+            <a:off x="6388581" y="1245393"/>
+            <a:ext cx="4485819" cy="2863170"/>
+          </a:xfrm>
+          <a:prstGeom prst="rect">
+            <a:avLst/>
+          </a:prstGeom>
+        </p:spPr>
+      </p:pic>
+    </p:spTree>
+    <p:extLst>
+      <p:ext uri="{BB962C8B-B14F-4D97-AF65-F5344CB8AC3E}">
+        <p14:creationId xmlns:p14="http://schemas.microsoft.com/office/powerpoint/2010/main" val="2154753001"/>
+      </p:ext>
+    </p:extLst>
+  </p:cSld>
+  <p:clrMapOvr>
+    <a:masterClrMapping/>
+  </p:clrMapOvr>
+</p:sld>
+</file>
+
+<file path=ppt/slides/slide17.xml><?xml version="1.0" encoding="utf-8"?>
+<p:sld xmlns:a="http://schemas.openxmlformats.org/drawingml/2006/main" xmlns:r="http://schemas.openxmlformats.org/officeDocument/2006/relationships" xmlns:p="http://schemas.openxmlformats.org/presentationml/2006/main">
+  <p:cSld>
+    <p:spTree>
+      <p:nvGrpSpPr>
+        <p:cNvPr id="1" name=""/>
+        <p:cNvGrpSpPr/>
+        <p:nvPr/>
+      </p:nvGrpSpPr>
+      <p:grpSpPr>
+        <a:xfrm>
+          <a:off x="0" y="0"/>
+          <a:ext cx="0" cy="0"/>
+          <a:chOff x="0" y="0"/>
+          <a:chExt cx="0" cy="0"/>
+        </a:xfrm>
+      </p:grpSpPr>
+      <p:sp>
+        <p:nvSpPr>
+          <p:cNvPr id="2" name="Title 1">
+            <a:extLst>
+              <a:ext uri="{FF2B5EF4-FFF2-40B4-BE49-F238E27FC236}">
+                <a16:creationId xmlns:a16="http://schemas.microsoft.com/office/drawing/2014/main" id="{85D1FBE8-643A-46F4-847E-9D71554FE07E}"/>
+              </a:ext>
+            </a:extLst>
+          </p:cNvPr>
+          <p:cNvSpPr>
+            <a:spLocks noGrp="1"/>
+          </p:cNvSpPr>
+          <p:nvPr>
+            <p:ph type="title"/>
+          </p:nvPr>
+        </p:nvSpPr>
+        <p:spPr/>
+        <p:txBody>
+          <a:bodyPr/>
+          <a:lstStyle/>
+          <a:p>
+            <a:r>
+              <a:rPr lang="en-US" dirty="0"/>
+              <a:t>Covid Cases Count and Wastewater Peaks </a:t>
+            </a:r>
+          </a:p>
+        </p:txBody>
+      </p:sp>
+      <p:pic>
+        <p:nvPicPr>
+          <p:cNvPr id="7" name="Picture 6" descr="Chart, bar chart&#10;&#10;Description automatically generated">
+            <a:extLst>
+              <a:ext uri="{FF2B5EF4-FFF2-40B4-BE49-F238E27FC236}">
+                <a16:creationId xmlns:a16="http://schemas.microsoft.com/office/drawing/2014/main" id="{BFA58A1C-0FCA-4C13-9BC6-A3A827FBC250}"/>
+              </a:ext>
+            </a:extLst>
+          </p:cNvPr>
+          <p:cNvPicPr>
+            <a:picLocks noChangeAspect="1"/>
+          </p:cNvPicPr>
+          <p:nvPr/>
+        </p:nvPicPr>
+        <p:blipFill>
+          <a:blip r:embed="rId2">
+            <a:extLst>
+              <a:ext uri="{28A0092B-C50C-407E-A947-70E740481C1C}">
+                <a14:useLocalDpi xmlns:a14="http://schemas.microsoft.com/office/drawing/2010/main" val="0"/>
+              </a:ext>
+            </a:extLst>
+          </a:blip>
+          <a:stretch>
+            <a:fillRect/>
+          </a:stretch>
+        </p:blipFill>
+        <p:spPr>
+          <a:xfrm>
+            <a:off x="1029913" y="4135274"/>
+            <a:ext cx="4749698" cy="2686645"/>
+          </a:xfrm>
+          <a:prstGeom prst="rect">
+            <a:avLst/>
+          </a:prstGeom>
+        </p:spPr>
+      </p:pic>
+      <p:pic>
+        <p:nvPicPr>
+          <p:cNvPr id="9" name="Picture 8" descr="Chart, bar chart&#10;&#10;Description automatically generated">
+            <a:extLst>
+              <a:ext uri="{FF2B5EF4-FFF2-40B4-BE49-F238E27FC236}">
+                <a16:creationId xmlns:a16="http://schemas.microsoft.com/office/drawing/2014/main" id="{8FB52824-F387-4DA9-8E6A-40047346A18D}"/>
+              </a:ext>
+            </a:extLst>
+          </p:cNvPr>
+          <p:cNvPicPr>
+            <a:picLocks noChangeAspect="1"/>
+          </p:cNvPicPr>
+          <p:nvPr/>
+        </p:nvPicPr>
+        <p:blipFill>
+          <a:blip r:embed="rId3">
+            <a:extLst>
+              <a:ext uri="{28A0092B-C50C-407E-A947-70E740481C1C}">
+                <a14:useLocalDpi xmlns:a14="http://schemas.microsoft.com/office/drawing/2010/main" val="0"/>
+              </a:ext>
+            </a:extLst>
+          </a:blip>
+          <a:stretch>
+            <a:fillRect/>
+          </a:stretch>
+        </p:blipFill>
+        <p:spPr>
+          <a:xfrm>
+            <a:off x="928015" y="1379403"/>
+            <a:ext cx="4953495" cy="2801922"/>
+          </a:xfrm>
+          <a:prstGeom prst="rect">
+            <a:avLst/>
+          </a:prstGeom>
+        </p:spPr>
+      </p:pic>
+      <p:pic>
+        <p:nvPicPr>
+          <p:cNvPr id="12" name="Content Placeholder 4" descr="Chart, bar chart&#10;&#10;Description automatically generated">
+            <a:extLst>
+              <a:ext uri="{FF2B5EF4-FFF2-40B4-BE49-F238E27FC236}">
+                <a16:creationId xmlns:a16="http://schemas.microsoft.com/office/drawing/2014/main" id="{F6E57409-CCAD-4121-82F8-9EB55E83AE06}"/>
+              </a:ext>
+            </a:extLst>
+          </p:cNvPr>
+          <p:cNvPicPr>
+            <a:picLocks noGrp="1" noChangeAspect="1"/>
+          </p:cNvPicPr>
+          <p:nvPr>
+            <p:ph idx="1"/>
+          </p:nvPr>
+        </p:nvPicPr>
+        <p:blipFill>
+          <a:blip r:embed="rId4">
+            <a:extLst>
+              <a:ext uri="{28A0092B-C50C-407E-A947-70E740481C1C}">
+                <a14:useLocalDpi xmlns:a14="http://schemas.microsoft.com/office/drawing/2010/main" val="0"/>
+              </a:ext>
+            </a:extLst>
+          </a:blip>
+          <a:stretch>
+            <a:fillRect/>
+          </a:stretch>
+        </p:blipFill>
+        <p:spPr>
+          <a:xfrm>
+            <a:off x="6740363" y="1247975"/>
+            <a:ext cx="4523622" cy="2887299"/>
+          </a:xfrm>
+        </p:spPr>
+      </p:pic>
+      <p:pic>
+        <p:nvPicPr>
+          <p:cNvPr id="13" name="Picture 12" descr="Chart, bar chart&#10;&#10;Description automatically generated">
+            <a:extLst>
+              <a:ext uri="{FF2B5EF4-FFF2-40B4-BE49-F238E27FC236}">
+                <a16:creationId xmlns:a16="http://schemas.microsoft.com/office/drawing/2014/main" id="{0EA9DE89-CB09-43D6-ACE9-A236BEDEFB2C}"/>
+              </a:ext>
+            </a:extLst>
+          </p:cNvPr>
+          <p:cNvPicPr>
+            <a:picLocks noChangeAspect="1"/>
+          </p:cNvPicPr>
+          <p:nvPr/>
+        </p:nvPicPr>
+        <p:blipFill>
+          <a:blip r:embed="rId5">
+            <a:extLst>
+              <a:ext uri="{28A0092B-C50C-407E-A947-70E740481C1C}">
+                <a14:useLocalDpi xmlns:a14="http://schemas.microsoft.com/office/drawing/2010/main" val="0"/>
+              </a:ext>
+            </a:extLst>
+          </a:blip>
+          <a:stretch>
+            <a:fillRect/>
+          </a:stretch>
+        </p:blipFill>
+        <p:spPr>
+          <a:xfrm>
+            <a:off x="7025751" y="4005016"/>
+            <a:ext cx="4413331" cy="2816903"/>
+          </a:xfrm>
+          <a:prstGeom prst="rect">
+            <a:avLst/>
+          </a:prstGeom>
+        </p:spPr>
+      </p:pic>
+    </p:spTree>
+    <p:extLst>
+      <p:ext uri="{BB962C8B-B14F-4D97-AF65-F5344CB8AC3E}">
+        <p14:creationId xmlns:p14="http://schemas.microsoft.com/office/powerpoint/2010/main" val="2988076250"/>
+      </p:ext>
+    </p:extLst>
+  </p:cSld>
+  <p:clrMapOvr>
+    <a:masterClrMapping/>
+  </p:clrMapOvr>
+</p:sld>
+</file>
+
+<file path=ppt/slides/slide18.xml><?xml version="1.0" encoding="utf-8"?>
+<p:sld xmlns:a="http://schemas.openxmlformats.org/drawingml/2006/main" xmlns:r="http://schemas.openxmlformats.org/officeDocument/2006/relationships" xmlns:p="http://schemas.openxmlformats.org/presentationml/2006/main">
+  <p:cSld>
+    <p:spTree>
+      <p:nvGrpSpPr>
+        <p:cNvPr id="1" name=""/>
+        <p:cNvGrpSpPr/>
+        <p:nvPr/>
+      </p:nvGrpSpPr>
+      <p:grpSpPr>
+        <a:xfrm>
+          <a:off x="0" y="0"/>
+          <a:ext cx="0" cy="0"/>
+          <a:chOff x="0" y="0"/>
+          <a:chExt cx="0" cy="0"/>
+        </a:xfrm>
+      </p:grpSpPr>
+      <p:sp>
+        <p:nvSpPr>
+          <p:cNvPr id="2" name="Title 1">
+            <a:extLst>
+              <a:ext uri="{FF2B5EF4-FFF2-40B4-BE49-F238E27FC236}">
+                <a16:creationId xmlns:a16="http://schemas.microsoft.com/office/drawing/2014/main" id="{CFA7EFC3-AC67-4383-AD7C-CBF84F86EE68}"/>
+              </a:ext>
+            </a:extLst>
+          </p:cNvPr>
+          <p:cNvSpPr>
+            <a:spLocks noGrp="1"/>
+          </p:cNvSpPr>
+          <p:nvPr>
+            <p:ph type="title"/>
+          </p:nvPr>
+        </p:nvSpPr>
+        <p:spPr/>
+        <p:txBody>
+          <a:bodyPr/>
+          <a:lstStyle/>
+          <a:p>
+            <a:r>
+              <a:rPr lang="en-US" dirty="0"/>
+              <a:t>Boston</a:t>
+            </a:r>
+          </a:p>
+        </p:txBody>
+      </p:sp>
+      <p:pic>
+        <p:nvPicPr>
+          <p:cNvPr id="12" name="Picture 11" descr="Chart, bar chart&#10;&#10;Description automatically generated">
+            <a:extLst>
+              <a:ext uri="{FF2B5EF4-FFF2-40B4-BE49-F238E27FC236}">
+                <a16:creationId xmlns:a16="http://schemas.microsoft.com/office/drawing/2014/main" id="{E8D74517-68EB-4F72-AFBF-F5DC0601F994}"/>
+              </a:ext>
+            </a:extLst>
+          </p:cNvPr>
+          <p:cNvPicPr>
+            <a:picLocks noChangeAspect="1"/>
+          </p:cNvPicPr>
+          <p:nvPr/>
+        </p:nvPicPr>
+        <p:blipFill>
+          <a:blip r:embed="rId2">
+            <a:extLst>
+              <a:ext uri="{28A0092B-C50C-407E-A947-70E740481C1C}">
+                <a14:useLocalDpi xmlns:a14="http://schemas.microsoft.com/office/drawing/2010/main" val="0"/>
+              </a:ext>
+            </a:extLst>
+          </a:blip>
+          <a:stretch>
+            <a:fillRect/>
+          </a:stretch>
+        </p:blipFill>
+        <p:spPr>
+          <a:xfrm>
+            <a:off x="2047310" y="1567763"/>
+            <a:ext cx="8097380" cy="4925112"/>
+          </a:xfrm>
+          <a:prstGeom prst="rect">
+            <a:avLst/>
+          </a:prstGeom>
+        </p:spPr>
+      </p:pic>
+    </p:spTree>
+    <p:extLst>
+      <p:ext uri="{BB962C8B-B14F-4D97-AF65-F5344CB8AC3E}">
+        <p14:creationId xmlns:p14="http://schemas.microsoft.com/office/powerpoint/2010/main" val="339213805"/>
+      </p:ext>
+    </p:extLst>
+  </p:cSld>
+  <p:clrMapOvr>
+    <a:masterClrMapping/>
+  </p:clrMapOvr>
+</p:sld>
+</file>
+
+<file path=ppt/slides/slide19.xml><?xml version="1.0" encoding="utf-8"?>
+<p:sld xmlns:a="http://schemas.openxmlformats.org/drawingml/2006/main" xmlns:r="http://schemas.openxmlformats.org/officeDocument/2006/relationships" xmlns:p="http://schemas.openxmlformats.org/presentationml/2006/main">
+  <p:cSld>
+    <p:spTree>
+      <p:nvGrpSpPr>
+        <p:cNvPr id="1" name=""/>
+        <p:cNvGrpSpPr/>
+        <p:nvPr/>
+      </p:nvGrpSpPr>
+      <p:grpSpPr>
+        <a:xfrm>
+          <a:off x="0" y="0"/>
+          <a:ext cx="0" cy="0"/>
+          <a:chOff x="0" y="0"/>
+          <a:chExt cx="0" cy="0"/>
+        </a:xfrm>
+      </p:grpSpPr>
+      <p:sp>
+        <p:nvSpPr>
+          <p:cNvPr id="2" name="Title 1">
+            <a:extLst>
+              <a:ext uri="{FF2B5EF4-FFF2-40B4-BE49-F238E27FC236}">
+                <a16:creationId xmlns:a16="http://schemas.microsoft.com/office/drawing/2014/main" id="{05EF15FC-BEE7-4916-B486-0D0BA1AACB2A}"/>
+              </a:ext>
+            </a:extLst>
+          </p:cNvPr>
+          <p:cNvSpPr>
+            <a:spLocks noGrp="1"/>
+          </p:cNvSpPr>
+          <p:nvPr>
+            <p:ph type="title"/>
+          </p:nvPr>
+        </p:nvSpPr>
+        <p:spPr/>
+        <p:txBody>
+          <a:bodyPr/>
+          <a:lstStyle/>
+          <a:p>
+            <a:r>
+              <a:rPr lang="en-US" dirty="0"/>
+              <a:t>Stages</a:t>
+            </a:r>
+          </a:p>
+        </p:txBody>
+      </p:sp>
+      <p:pic>
+        <p:nvPicPr>
+          <p:cNvPr id="5" name="Picture 4" descr="Chart, histogram&#10;&#10;Description automatically generated">
+            <a:extLst>
+              <a:ext uri="{FF2B5EF4-FFF2-40B4-BE49-F238E27FC236}">
+                <a16:creationId xmlns:a16="http://schemas.microsoft.com/office/drawing/2014/main" id="{119FF3DF-6DDB-4378-BF3C-39D0848882D5}"/>
+              </a:ext>
+            </a:extLst>
+          </p:cNvPr>
+          <p:cNvPicPr>
+            <a:picLocks noChangeAspect="1"/>
+          </p:cNvPicPr>
+          <p:nvPr/>
+        </p:nvPicPr>
+        <p:blipFill>
+          <a:blip r:embed="rId2">
+            <a:extLst>
+              <a:ext uri="{28A0092B-C50C-407E-A947-70E740481C1C}">
+                <a14:useLocalDpi xmlns:a14="http://schemas.microsoft.com/office/drawing/2010/main" val="0"/>
+              </a:ext>
+            </a:extLst>
+          </a:blip>
+          <a:stretch>
+            <a:fillRect/>
+          </a:stretch>
+        </p:blipFill>
+        <p:spPr>
+          <a:xfrm>
+            <a:off x="7460938" y="3429000"/>
+            <a:ext cx="4731062" cy="3383069"/>
+          </a:xfrm>
+          <a:prstGeom prst="rect">
+            <a:avLst/>
+          </a:prstGeom>
+        </p:spPr>
+      </p:pic>
+      <p:pic>
+        <p:nvPicPr>
+          <p:cNvPr id="7" name="Picture 6" descr="Chart, histogram&#10;&#10;Description automatically generated">
+            <a:extLst>
+              <a:ext uri="{FF2B5EF4-FFF2-40B4-BE49-F238E27FC236}">
+                <a16:creationId xmlns:a16="http://schemas.microsoft.com/office/drawing/2014/main" id="{B4C37A96-95EB-4043-8CF2-A331A7BBEB93}"/>
+              </a:ext>
+            </a:extLst>
+          </p:cNvPr>
+          <p:cNvPicPr>
+            <a:picLocks noChangeAspect="1"/>
+          </p:cNvPicPr>
+          <p:nvPr/>
+        </p:nvPicPr>
+        <p:blipFill>
+          <a:blip r:embed="rId3">
+            <a:extLst>
+              <a:ext uri="{28A0092B-C50C-407E-A947-70E740481C1C}">
+                <a14:useLocalDpi xmlns:a14="http://schemas.microsoft.com/office/drawing/2010/main" val="0"/>
+              </a:ext>
+            </a:extLst>
+          </a:blip>
+          <a:stretch>
+            <a:fillRect/>
+          </a:stretch>
+        </p:blipFill>
+        <p:spPr>
+          <a:xfrm>
+            <a:off x="3081309" y="571691"/>
+            <a:ext cx="4390407" cy="3139475"/>
+          </a:xfrm>
+          <a:prstGeom prst="rect">
+            <a:avLst/>
+          </a:prstGeom>
+        </p:spPr>
+      </p:pic>
+      <p:pic>
+        <p:nvPicPr>
+          <p:cNvPr id="9" name="Picture 8" descr="Chart, histogram&#10;&#10;Description automatically generated">
+            <a:extLst>
+              <a:ext uri="{FF2B5EF4-FFF2-40B4-BE49-F238E27FC236}">
+                <a16:creationId xmlns:a16="http://schemas.microsoft.com/office/drawing/2014/main" id="{58BE4784-7EF8-402B-AE26-31A4F3B224B9}"/>
+              </a:ext>
+            </a:extLst>
+          </p:cNvPr>
+          <p:cNvPicPr>
+            <a:picLocks noChangeAspect="1"/>
+          </p:cNvPicPr>
+          <p:nvPr/>
+        </p:nvPicPr>
+        <p:blipFill>
+          <a:blip r:embed="rId4">
+            <a:extLst>
+              <a:ext uri="{28A0092B-C50C-407E-A947-70E740481C1C}">
+                <a14:useLocalDpi xmlns:a14="http://schemas.microsoft.com/office/drawing/2010/main" val="0"/>
+              </a:ext>
+            </a:extLst>
+          </a:blip>
+          <a:stretch>
+            <a:fillRect/>
+          </a:stretch>
+        </p:blipFill>
+        <p:spPr>
+          <a:xfrm>
+            <a:off x="7460938" y="506938"/>
+            <a:ext cx="4390408" cy="3139476"/>
+          </a:xfrm>
+          <a:prstGeom prst="rect">
+            <a:avLst/>
+          </a:prstGeom>
+        </p:spPr>
+      </p:pic>
+      <p:pic>
+        <p:nvPicPr>
+          <p:cNvPr id="11" name="Picture 10" descr="Chart, histogram&#10;&#10;Description automatically generated">
+            <a:extLst>
+              <a:ext uri="{FF2B5EF4-FFF2-40B4-BE49-F238E27FC236}">
+                <a16:creationId xmlns:a16="http://schemas.microsoft.com/office/drawing/2014/main" id="{E2EA43D8-8003-493A-BF22-85A1DAD8A7D6}"/>
+              </a:ext>
+            </a:extLst>
+          </p:cNvPr>
+          <p:cNvPicPr>
+            <a:picLocks noChangeAspect="1"/>
+          </p:cNvPicPr>
+          <p:nvPr/>
+        </p:nvPicPr>
+        <p:blipFill>
+          <a:blip r:embed="rId5">
+            <a:extLst>
+              <a:ext uri="{28A0092B-C50C-407E-A947-70E740481C1C}">
+                <a14:useLocalDpi xmlns:a14="http://schemas.microsoft.com/office/drawing/2010/main" val="0"/>
+              </a:ext>
+            </a:extLst>
+          </a:blip>
+          <a:stretch>
+            <a:fillRect/>
+          </a:stretch>
+        </p:blipFill>
+        <p:spPr>
+          <a:xfrm>
+            <a:off x="3081309" y="3493752"/>
+            <a:ext cx="4549956" cy="3253564"/>
+          </a:xfrm>
+          <a:prstGeom prst="rect">
+            <a:avLst/>
+          </a:prstGeom>
+        </p:spPr>
+      </p:pic>
+    </p:spTree>
+    <p:extLst>
+      <p:ext uri="{BB962C8B-B14F-4D97-AF65-F5344CB8AC3E}">
+        <p14:creationId xmlns:p14="http://schemas.microsoft.com/office/powerpoint/2010/main" val="1982456467"/>
       </p:ext>
     </p:extLst>
   </p:cSld>
@@ -3938,6 +5140,1141 @@
     <p:extLst>
       <p:ext uri="{BB962C8B-B14F-4D97-AF65-F5344CB8AC3E}">
         <p14:creationId xmlns:p14="http://schemas.microsoft.com/office/powerpoint/2010/main" val="961478835"/>
+      </p:ext>
+    </p:extLst>
+  </p:cSld>
+  <p:clrMapOvr>
+    <a:masterClrMapping/>
+  </p:clrMapOvr>
+</p:sld>
+</file>
+
+<file path=ppt/slides/slide20.xml><?xml version="1.0" encoding="utf-8"?>
+<p:sld xmlns:a="http://schemas.openxmlformats.org/drawingml/2006/main" xmlns:r="http://schemas.openxmlformats.org/officeDocument/2006/relationships" xmlns:p="http://schemas.openxmlformats.org/presentationml/2006/main">
+  <p:cSld>
+    <p:spTree>
+      <p:nvGrpSpPr>
+        <p:cNvPr id="1" name=""/>
+        <p:cNvGrpSpPr/>
+        <p:nvPr/>
+      </p:nvGrpSpPr>
+      <p:grpSpPr>
+        <a:xfrm>
+          <a:off x="0" y="0"/>
+          <a:ext cx="0" cy="0"/>
+          <a:chOff x="0" y="0"/>
+          <a:chExt cx="0" cy="0"/>
+        </a:xfrm>
+      </p:grpSpPr>
+      <p:sp>
+        <p:nvSpPr>
+          <p:cNvPr id="2" name="Title 1">
+            <a:extLst>
+              <a:ext uri="{FF2B5EF4-FFF2-40B4-BE49-F238E27FC236}">
+                <a16:creationId xmlns:a16="http://schemas.microsoft.com/office/drawing/2014/main" id="{05EF15FC-BEE7-4916-B486-0D0BA1AACB2A}"/>
+              </a:ext>
+            </a:extLst>
+          </p:cNvPr>
+          <p:cNvSpPr>
+            <a:spLocks noGrp="1"/>
+          </p:cNvSpPr>
+          <p:nvPr>
+            <p:ph type="title"/>
+          </p:nvPr>
+        </p:nvSpPr>
+        <p:spPr/>
+        <p:txBody>
+          <a:bodyPr/>
+          <a:lstStyle/>
+          <a:p>
+            <a:r>
+              <a:rPr lang="en-US" dirty="0"/>
+              <a:t>Stages</a:t>
+            </a:r>
+          </a:p>
+        </p:txBody>
+      </p:sp>
+      <p:pic>
+        <p:nvPicPr>
+          <p:cNvPr id="4" name="Picture 3" descr="Chart, histogram&#10;&#10;Description automatically generated">
+            <a:extLst>
+              <a:ext uri="{FF2B5EF4-FFF2-40B4-BE49-F238E27FC236}">
+                <a16:creationId xmlns:a16="http://schemas.microsoft.com/office/drawing/2014/main" id="{AA0DCF50-DC68-4BCA-B153-C0645662DE5E}"/>
+              </a:ext>
+            </a:extLst>
+          </p:cNvPr>
+          <p:cNvPicPr>
+            <a:picLocks noChangeAspect="1"/>
+          </p:cNvPicPr>
+          <p:nvPr/>
+        </p:nvPicPr>
+        <p:blipFill>
+          <a:blip r:embed="rId2">
+            <a:extLst>
+              <a:ext uri="{28A0092B-C50C-407E-A947-70E740481C1C}">
+                <a14:useLocalDpi xmlns:a14="http://schemas.microsoft.com/office/drawing/2010/main" val="0"/>
+              </a:ext>
+            </a:extLst>
+          </a:blip>
+          <a:stretch>
+            <a:fillRect/>
+          </a:stretch>
+        </p:blipFill>
+        <p:spPr>
+          <a:xfrm>
+            <a:off x="7256147" y="3477432"/>
+            <a:ext cx="4517100" cy="3230070"/>
+          </a:xfrm>
+          <a:prstGeom prst="rect">
+            <a:avLst/>
+          </a:prstGeom>
+        </p:spPr>
+      </p:pic>
+      <p:pic>
+        <p:nvPicPr>
+          <p:cNvPr id="8" name="Picture 7" descr="Chart, histogram&#10;&#10;Description automatically generated">
+            <a:extLst>
+              <a:ext uri="{FF2B5EF4-FFF2-40B4-BE49-F238E27FC236}">
+                <a16:creationId xmlns:a16="http://schemas.microsoft.com/office/drawing/2014/main" id="{5566B680-08CF-4446-A900-37047F70EF7A}"/>
+              </a:ext>
+            </a:extLst>
+          </p:cNvPr>
+          <p:cNvPicPr>
+            <a:picLocks noChangeAspect="1"/>
+          </p:cNvPicPr>
+          <p:nvPr/>
+        </p:nvPicPr>
+        <p:blipFill>
+          <a:blip r:embed="rId3">
+            <a:extLst>
+              <a:ext uri="{28A0092B-C50C-407E-A947-70E740481C1C}">
+                <a14:useLocalDpi xmlns:a14="http://schemas.microsoft.com/office/drawing/2010/main" val="0"/>
+              </a:ext>
+            </a:extLst>
+          </a:blip>
+          <a:stretch>
+            <a:fillRect/>
+          </a:stretch>
+        </p:blipFill>
+        <p:spPr>
+          <a:xfrm>
+            <a:off x="2534943" y="325560"/>
+            <a:ext cx="4430580" cy="3168202"/>
+          </a:xfrm>
+          <a:prstGeom prst="rect">
+            <a:avLst/>
+          </a:prstGeom>
+        </p:spPr>
+      </p:pic>
+      <p:pic>
+        <p:nvPicPr>
+          <p:cNvPr id="12" name="Picture 11" descr="Chart, histogram&#10;&#10;Description automatically generated">
+            <a:extLst>
+              <a:ext uri="{FF2B5EF4-FFF2-40B4-BE49-F238E27FC236}">
+                <a16:creationId xmlns:a16="http://schemas.microsoft.com/office/drawing/2014/main" id="{72E8DB7F-5A2E-41E4-B5FC-3E9E10351B35}"/>
+              </a:ext>
+            </a:extLst>
+          </p:cNvPr>
+          <p:cNvPicPr>
+            <a:picLocks noChangeAspect="1"/>
+          </p:cNvPicPr>
+          <p:nvPr/>
+        </p:nvPicPr>
+        <p:blipFill>
+          <a:blip r:embed="rId4">
+            <a:extLst>
+              <a:ext uri="{28A0092B-C50C-407E-A947-70E740481C1C}">
+                <a14:useLocalDpi xmlns:a14="http://schemas.microsoft.com/office/drawing/2010/main" val="0"/>
+              </a:ext>
+            </a:extLst>
+          </a:blip>
+          <a:stretch>
+            <a:fillRect/>
+          </a:stretch>
+        </p:blipFill>
+        <p:spPr>
+          <a:xfrm>
+            <a:off x="7165514" y="325560"/>
+            <a:ext cx="4617632" cy="3301958"/>
+          </a:xfrm>
+          <a:prstGeom prst="rect">
+            <a:avLst/>
+          </a:prstGeom>
+        </p:spPr>
+      </p:pic>
+      <p:pic>
+        <p:nvPicPr>
+          <p:cNvPr id="14" name="Picture 13" descr="Chart, histogram&#10;&#10;Description automatically generated">
+            <a:extLst>
+              <a:ext uri="{FF2B5EF4-FFF2-40B4-BE49-F238E27FC236}">
+                <a16:creationId xmlns:a16="http://schemas.microsoft.com/office/drawing/2014/main" id="{92EF2BD5-5C8A-4150-BD71-5D4F15944437}"/>
+              </a:ext>
+            </a:extLst>
+          </p:cNvPr>
+          <p:cNvPicPr>
+            <a:picLocks noChangeAspect="1"/>
+          </p:cNvPicPr>
+          <p:nvPr/>
+        </p:nvPicPr>
+        <p:blipFill>
+          <a:blip r:embed="rId5">
+            <a:extLst>
+              <a:ext uri="{28A0092B-C50C-407E-A947-70E740481C1C}">
+                <a14:useLocalDpi xmlns:a14="http://schemas.microsoft.com/office/drawing/2010/main" val="0"/>
+              </a:ext>
+            </a:extLst>
+          </a:blip>
+          <a:stretch>
+            <a:fillRect/>
+          </a:stretch>
+        </p:blipFill>
+        <p:spPr>
+          <a:xfrm>
+            <a:off x="2625576" y="3418719"/>
+            <a:ext cx="4539938" cy="3246400"/>
+          </a:xfrm>
+          <a:prstGeom prst="rect">
+            <a:avLst/>
+          </a:prstGeom>
+        </p:spPr>
+      </p:pic>
+    </p:spTree>
+    <p:extLst>
+      <p:ext uri="{BB962C8B-B14F-4D97-AF65-F5344CB8AC3E}">
+        <p14:creationId xmlns:p14="http://schemas.microsoft.com/office/powerpoint/2010/main" val="1853738496"/>
+      </p:ext>
+    </p:extLst>
+  </p:cSld>
+  <p:clrMapOvr>
+    <a:masterClrMapping/>
+  </p:clrMapOvr>
+</p:sld>
+</file>
+
+<file path=ppt/slides/slide21.xml><?xml version="1.0" encoding="utf-8"?>
+<p:sld xmlns:a="http://schemas.openxmlformats.org/drawingml/2006/main" xmlns:r="http://schemas.openxmlformats.org/officeDocument/2006/relationships" xmlns:p="http://schemas.openxmlformats.org/presentationml/2006/main">
+  <p:cSld>
+    <p:spTree>
+      <p:nvGrpSpPr>
+        <p:cNvPr id="1" name=""/>
+        <p:cNvGrpSpPr/>
+        <p:nvPr/>
+      </p:nvGrpSpPr>
+      <p:grpSpPr>
+        <a:xfrm>
+          <a:off x="0" y="0"/>
+          <a:ext cx="0" cy="0"/>
+          <a:chOff x="0" y="0"/>
+          <a:chExt cx="0" cy="0"/>
+        </a:xfrm>
+      </p:grpSpPr>
+      <p:sp>
+        <p:nvSpPr>
+          <p:cNvPr id="2" name="Title 1">
+            <a:extLst>
+              <a:ext uri="{FF2B5EF4-FFF2-40B4-BE49-F238E27FC236}">
+                <a16:creationId xmlns:a16="http://schemas.microsoft.com/office/drawing/2014/main" id="{6F7F5AEF-8591-476C-8067-07A266A3FC4A}"/>
+              </a:ext>
+            </a:extLst>
+          </p:cNvPr>
+          <p:cNvSpPr>
+            <a:spLocks noGrp="1"/>
+          </p:cNvSpPr>
+          <p:nvPr>
+            <p:ph type="title"/>
+          </p:nvPr>
+        </p:nvSpPr>
+        <p:spPr/>
+        <p:txBody>
+          <a:bodyPr/>
+          <a:lstStyle/>
+          <a:p>
+            <a:r>
+              <a:rPr lang="en-US" dirty="0"/>
+              <a:t>Stages</a:t>
+            </a:r>
+          </a:p>
+        </p:txBody>
+      </p:sp>
+      <p:pic>
+        <p:nvPicPr>
+          <p:cNvPr id="5" name="Picture 4" descr="Chart, histogram&#10;&#10;Description automatically generated">
+            <a:extLst>
+              <a:ext uri="{FF2B5EF4-FFF2-40B4-BE49-F238E27FC236}">
+                <a16:creationId xmlns:a16="http://schemas.microsoft.com/office/drawing/2014/main" id="{66327E41-28D4-405C-9B1F-53C095AFFAAF}"/>
+              </a:ext>
+            </a:extLst>
+          </p:cNvPr>
+          <p:cNvPicPr>
+            <a:picLocks noChangeAspect="1"/>
+          </p:cNvPicPr>
+          <p:nvPr/>
+        </p:nvPicPr>
+        <p:blipFill>
+          <a:blip r:embed="rId2">
+            <a:extLst>
+              <a:ext uri="{28A0092B-C50C-407E-A947-70E740481C1C}">
+                <a14:useLocalDpi xmlns:a14="http://schemas.microsoft.com/office/drawing/2010/main" val="0"/>
+              </a:ext>
+            </a:extLst>
+          </a:blip>
+          <a:stretch>
+            <a:fillRect/>
+          </a:stretch>
+        </p:blipFill>
+        <p:spPr>
+          <a:xfrm>
+            <a:off x="3366274" y="656738"/>
+            <a:ext cx="4130754" cy="2953803"/>
+          </a:xfrm>
+          <a:prstGeom prst="rect">
+            <a:avLst/>
+          </a:prstGeom>
+        </p:spPr>
+      </p:pic>
+      <p:pic>
+        <p:nvPicPr>
+          <p:cNvPr id="7" name="Picture 6" descr="Chart, histogram&#10;&#10;Description automatically generated">
+            <a:extLst>
+              <a:ext uri="{FF2B5EF4-FFF2-40B4-BE49-F238E27FC236}">
+                <a16:creationId xmlns:a16="http://schemas.microsoft.com/office/drawing/2014/main" id="{30F9CA70-46B5-4F25-9C3A-1FF51ACA4D54}"/>
+              </a:ext>
+            </a:extLst>
+          </p:cNvPr>
+          <p:cNvPicPr>
+            <a:picLocks noChangeAspect="1"/>
+          </p:cNvPicPr>
+          <p:nvPr/>
+        </p:nvPicPr>
+        <p:blipFill>
+          <a:blip r:embed="rId3">
+            <a:extLst>
+              <a:ext uri="{28A0092B-C50C-407E-A947-70E740481C1C}">
+                <a14:useLocalDpi xmlns:a14="http://schemas.microsoft.com/office/drawing/2010/main" val="0"/>
+              </a:ext>
+            </a:extLst>
+          </a:blip>
+          <a:stretch>
+            <a:fillRect/>
+          </a:stretch>
+        </p:blipFill>
+        <p:spPr>
+          <a:xfrm>
+            <a:off x="7652250" y="533537"/>
+            <a:ext cx="4303044" cy="3077004"/>
+          </a:xfrm>
+          <a:prstGeom prst="rect">
+            <a:avLst/>
+          </a:prstGeom>
+        </p:spPr>
+      </p:pic>
+      <p:pic>
+        <p:nvPicPr>
+          <p:cNvPr id="9" name="Picture 8" descr="Chart, histogram&#10;&#10;Description automatically generated">
+            <a:extLst>
+              <a:ext uri="{FF2B5EF4-FFF2-40B4-BE49-F238E27FC236}">
+                <a16:creationId xmlns:a16="http://schemas.microsoft.com/office/drawing/2014/main" id="{444F6870-8BD3-4126-BF7A-8C54D97CB178}"/>
+              </a:ext>
+            </a:extLst>
+          </p:cNvPr>
+          <p:cNvPicPr>
+            <a:picLocks noChangeAspect="1"/>
+          </p:cNvPicPr>
+          <p:nvPr/>
+        </p:nvPicPr>
+        <p:blipFill>
+          <a:blip r:embed="rId4">
+            <a:extLst>
+              <a:ext uri="{28A0092B-C50C-407E-A947-70E740481C1C}">
+                <a14:useLocalDpi xmlns:a14="http://schemas.microsoft.com/office/drawing/2010/main" val="0"/>
+              </a:ext>
+            </a:extLst>
+          </a:blip>
+          <a:stretch>
+            <a:fillRect/>
+          </a:stretch>
+        </p:blipFill>
+        <p:spPr>
+          <a:xfrm>
+            <a:off x="7610518" y="3610541"/>
+            <a:ext cx="4344776" cy="3106845"/>
+          </a:xfrm>
+          <a:prstGeom prst="rect">
+            <a:avLst/>
+          </a:prstGeom>
+        </p:spPr>
+      </p:pic>
+      <p:pic>
+        <p:nvPicPr>
+          <p:cNvPr id="11" name="Picture 10" descr="Chart, histogram&#10;&#10;Description automatically generated">
+            <a:extLst>
+              <a:ext uri="{FF2B5EF4-FFF2-40B4-BE49-F238E27FC236}">
+                <a16:creationId xmlns:a16="http://schemas.microsoft.com/office/drawing/2014/main" id="{F4CEDE6D-7030-49B8-9C53-3D75A7C9B2B2}"/>
+              </a:ext>
+            </a:extLst>
+          </p:cNvPr>
+          <p:cNvPicPr>
+            <a:picLocks noChangeAspect="1"/>
+          </p:cNvPicPr>
+          <p:nvPr/>
+        </p:nvPicPr>
+        <p:blipFill>
+          <a:blip r:embed="rId5">
+            <a:extLst>
+              <a:ext uri="{28A0092B-C50C-407E-A947-70E740481C1C}">
+                <a14:useLocalDpi xmlns:a14="http://schemas.microsoft.com/office/drawing/2010/main" val="0"/>
+              </a:ext>
+            </a:extLst>
+          </a:blip>
+          <a:stretch>
+            <a:fillRect/>
+          </a:stretch>
+        </p:blipFill>
+        <p:spPr>
+          <a:xfrm>
+            <a:off x="3152252" y="3429000"/>
+            <a:ext cx="4344776" cy="3106845"/>
+          </a:xfrm>
+          <a:prstGeom prst="rect">
+            <a:avLst/>
+          </a:prstGeom>
+        </p:spPr>
+      </p:pic>
+    </p:spTree>
+    <p:extLst>
+      <p:ext uri="{BB962C8B-B14F-4D97-AF65-F5344CB8AC3E}">
+        <p14:creationId xmlns:p14="http://schemas.microsoft.com/office/powerpoint/2010/main" val="3060378745"/>
+      </p:ext>
+    </p:extLst>
+  </p:cSld>
+  <p:clrMapOvr>
+    <a:masterClrMapping/>
+  </p:clrMapOvr>
+</p:sld>
+</file>
+
+<file path=ppt/slides/slide22.xml><?xml version="1.0" encoding="utf-8"?>
+<p:sld xmlns:a="http://schemas.openxmlformats.org/drawingml/2006/main" xmlns:r="http://schemas.openxmlformats.org/officeDocument/2006/relationships" xmlns:p="http://schemas.openxmlformats.org/presentationml/2006/main">
+  <p:cSld>
+    <p:spTree>
+      <p:nvGrpSpPr>
+        <p:cNvPr id="1" name=""/>
+        <p:cNvGrpSpPr/>
+        <p:nvPr/>
+      </p:nvGrpSpPr>
+      <p:grpSpPr>
+        <a:xfrm>
+          <a:off x="0" y="0"/>
+          <a:ext cx="0" cy="0"/>
+          <a:chOff x="0" y="0"/>
+          <a:chExt cx="0" cy="0"/>
+        </a:xfrm>
+      </p:grpSpPr>
+      <p:sp>
+        <p:nvSpPr>
+          <p:cNvPr id="2" name="Title 1">
+            <a:extLst>
+              <a:ext uri="{FF2B5EF4-FFF2-40B4-BE49-F238E27FC236}">
+                <a16:creationId xmlns:a16="http://schemas.microsoft.com/office/drawing/2014/main" id="{22E1D88F-A224-4FAA-A534-EFE570913ADA}"/>
+              </a:ext>
+            </a:extLst>
+          </p:cNvPr>
+          <p:cNvSpPr>
+            <a:spLocks noGrp="1"/>
+          </p:cNvSpPr>
+          <p:nvPr>
+            <p:ph type="title"/>
+          </p:nvPr>
+        </p:nvSpPr>
+        <p:spPr/>
+        <p:txBody>
+          <a:bodyPr/>
+          <a:lstStyle/>
+          <a:p>
+            <a:endParaRPr lang="en-US" dirty="0"/>
+          </a:p>
+        </p:txBody>
+      </p:sp>
+      <p:sp>
+        <p:nvSpPr>
+          <p:cNvPr id="3" name="Content Placeholder 2">
+            <a:extLst>
+              <a:ext uri="{FF2B5EF4-FFF2-40B4-BE49-F238E27FC236}">
+                <a16:creationId xmlns:a16="http://schemas.microsoft.com/office/drawing/2014/main" id="{29F1F584-7C88-484C-BBFA-CDDE3F3EA517}"/>
+              </a:ext>
+            </a:extLst>
+          </p:cNvPr>
+          <p:cNvSpPr>
+            <a:spLocks noGrp="1"/>
+          </p:cNvSpPr>
+          <p:nvPr>
+            <p:ph idx="1"/>
+          </p:nvPr>
+        </p:nvSpPr>
+        <p:spPr/>
+        <p:txBody>
+          <a:bodyPr/>
+          <a:lstStyle/>
+          <a:p>
+            <a:r>
+              <a:rPr lang="en-US" dirty="0"/>
+              <a:t>Assumption: All Peak Points are independent</a:t>
+            </a:r>
+          </a:p>
+        </p:txBody>
+      </p:sp>
+      <p:pic>
+        <p:nvPicPr>
+          <p:cNvPr id="5" name="Picture 4">
+            <a:extLst>
+              <a:ext uri="{FF2B5EF4-FFF2-40B4-BE49-F238E27FC236}">
+                <a16:creationId xmlns:a16="http://schemas.microsoft.com/office/drawing/2014/main" id="{F5E4783D-B43E-49DA-A5F2-64328F8CB352}"/>
+              </a:ext>
+            </a:extLst>
+          </p:cNvPr>
+          <p:cNvPicPr>
+            <a:picLocks noChangeAspect="1"/>
+          </p:cNvPicPr>
+          <p:nvPr/>
+        </p:nvPicPr>
+        <p:blipFill>
+          <a:blip r:embed="rId2"/>
+          <a:stretch>
+            <a:fillRect/>
+          </a:stretch>
+        </p:blipFill>
+        <p:spPr>
+          <a:xfrm>
+            <a:off x="1043663" y="2384149"/>
+            <a:ext cx="6536006" cy="3107807"/>
+          </a:xfrm>
+          <a:prstGeom prst="rect">
+            <a:avLst/>
+          </a:prstGeom>
+        </p:spPr>
+      </p:pic>
+      <p:pic>
+        <p:nvPicPr>
+          <p:cNvPr id="7" name="Picture 6">
+            <a:extLst>
+              <a:ext uri="{FF2B5EF4-FFF2-40B4-BE49-F238E27FC236}">
+                <a16:creationId xmlns:a16="http://schemas.microsoft.com/office/drawing/2014/main" id="{9B816CCB-B755-4CD6-A07F-BE927B3243D8}"/>
+              </a:ext>
+            </a:extLst>
+          </p:cNvPr>
+          <p:cNvPicPr>
+            <a:picLocks noChangeAspect="1"/>
+          </p:cNvPicPr>
+          <p:nvPr/>
+        </p:nvPicPr>
+        <p:blipFill>
+          <a:blip r:embed="rId3"/>
+          <a:stretch>
+            <a:fillRect/>
+          </a:stretch>
+        </p:blipFill>
+        <p:spPr>
+          <a:xfrm>
+            <a:off x="7785132" y="2447389"/>
+            <a:ext cx="4848225" cy="2981325"/>
+          </a:xfrm>
+          <a:prstGeom prst="rect">
+            <a:avLst/>
+          </a:prstGeom>
+        </p:spPr>
+      </p:pic>
+    </p:spTree>
+    <p:extLst>
+      <p:ext uri="{BB962C8B-B14F-4D97-AF65-F5344CB8AC3E}">
+        <p14:creationId xmlns:p14="http://schemas.microsoft.com/office/powerpoint/2010/main" val="1276013165"/>
+      </p:ext>
+    </p:extLst>
+  </p:cSld>
+  <p:clrMapOvr>
+    <a:masterClrMapping/>
+  </p:clrMapOvr>
+</p:sld>
+</file>
+
+<file path=ppt/slides/slide23.xml><?xml version="1.0" encoding="utf-8"?>
+<p:sld xmlns:a="http://schemas.openxmlformats.org/drawingml/2006/main" xmlns:r="http://schemas.openxmlformats.org/officeDocument/2006/relationships" xmlns:p="http://schemas.openxmlformats.org/presentationml/2006/main">
+  <p:cSld>
+    <p:spTree>
+      <p:nvGrpSpPr>
+        <p:cNvPr id="1" name=""/>
+        <p:cNvGrpSpPr/>
+        <p:nvPr/>
+      </p:nvGrpSpPr>
+      <p:grpSpPr>
+        <a:xfrm>
+          <a:off x="0" y="0"/>
+          <a:ext cx="0" cy="0"/>
+          <a:chOff x="0" y="0"/>
+          <a:chExt cx="0" cy="0"/>
+        </a:xfrm>
+      </p:grpSpPr>
+      <p:sp>
+        <p:nvSpPr>
+          <p:cNvPr id="2" name="Title 1">
+            <a:extLst>
+              <a:ext uri="{FF2B5EF4-FFF2-40B4-BE49-F238E27FC236}">
+                <a16:creationId xmlns:a16="http://schemas.microsoft.com/office/drawing/2014/main" id="{B896ECEA-2EB3-4848-8E4E-216F764A2765}"/>
+              </a:ext>
+            </a:extLst>
+          </p:cNvPr>
+          <p:cNvSpPr>
+            <a:spLocks noGrp="1"/>
+          </p:cNvSpPr>
+          <p:nvPr>
+            <p:ph type="title"/>
+          </p:nvPr>
+        </p:nvSpPr>
+        <p:spPr/>
+        <p:txBody>
+          <a:bodyPr/>
+          <a:lstStyle/>
+          <a:p>
+            <a:r>
+              <a:rPr lang="en-US" dirty="0"/>
+              <a:t>BU Covid Cases</a:t>
+            </a:r>
+          </a:p>
+        </p:txBody>
+      </p:sp>
+      <p:pic>
+        <p:nvPicPr>
+          <p:cNvPr id="5" name="Picture 4" descr="Chart, histogram&#10;&#10;Description automatically generated">
+            <a:extLst>
+              <a:ext uri="{FF2B5EF4-FFF2-40B4-BE49-F238E27FC236}">
+                <a16:creationId xmlns:a16="http://schemas.microsoft.com/office/drawing/2014/main" id="{29DA7DDD-3722-42D8-B5D3-2F357BDC30B2}"/>
+              </a:ext>
+            </a:extLst>
+          </p:cNvPr>
+          <p:cNvPicPr>
+            <a:picLocks noChangeAspect="1"/>
+          </p:cNvPicPr>
+          <p:nvPr/>
+        </p:nvPicPr>
+        <p:blipFill>
+          <a:blip r:embed="rId2">
+            <a:extLst>
+              <a:ext uri="{28A0092B-C50C-407E-A947-70E740481C1C}">
+                <a14:useLocalDpi xmlns:a14="http://schemas.microsoft.com/office/drawing/2010/main" val="0"/>
+              </a:ext>
+            </a:extLst>
+          </a:blip>
+          <a:stretch>
+            <a:fillRect/>
+          </a:stretch>
+        </p:blipFill>
+        <p:spPr>
+          <a:xfrm>
+            <a:off x="1224405" y="1402598"/>
+            <a:ext cx="9743190" cy="5450538"/>
+          </a:xfrm>
+          <a:prstGeom prst="rect">
+            <a:avLst/>
+          </a:prstGeom>
+        </p:spPr>
+      </p:pic>
+    </p:spTree>
+    <p:extLst>
+      <p:ext uri="{BB962C8B-B14F-4D97-AF65-F5344CB8AC3E}">
+        <p14:creationId xmlns:p14="http://schemas.microsoft.com/office/powerpoint/2010/main" val="2020442944"/>
+      </p:ext>
+    </p:extLst>
+  </p:cSld>
+  <p:clrMapOvr>
+    <a:masterClrMapping/>
+  </p:clrMapOvr>
+</p:sld>
+</file>
+
+<file path=ppt/slides/slide24.xml><?xml version="1.0" encoding="utf-8"?>
+<p:sld xmlns:a="http://schemas.openxmlformats.org/drawingml/2006/main" xmlns:r="http://schemas.openxmlformats.org/officeDocument/2006/relationships" xmlns:p="http://schemas.openxmlformats.org/presentationml/2006/main">
+  <p:cSld>
+    <p:spTree>
+      <p:nvGrpSpPr>
+        <p:cNvPr id="1" name=""/>
+        <p:cNvGrpSpPr/>
+        <p:nvPr/>
+      </p:nvGrpSpPr>
+      <p:grpSpPr>
+        <a:xfrm>
+          <a:off x="0" y="0"/>
+          <a:ext cx="0" cy="0"/>
+          <a:chOff x="0" y="0"/>
+          <a:chExt cx="0" cy="0"/>
+        </a:xfrm>
+      </p:grpSpPr>
+      <p:pic>
+        <p:nvPicPr>
+          <p:cNvPr id="7" name="Picture 6" descr="Histogram&#10;&#10;Description automatically generated">
+            <a:extLst>
+              <a:ext uri="{FF2B5EF4-FFF2-40B4-BE49-F238E27FC236}">
+                <a16:creationId xmlns:a16="http://schemas.microsoft.com/office/drawing/2014/main" id="{5456E4CB-A05B-435B-91C6-BFB357B4CF5B}"/>
+              </a:ext>
+            </a:extLst>
+          </p:cNvPr>
+          <p:cNvPicPr>
+            <a:picLocks noChangeAspect="1"/>
+          </p:cNvPicPr>
+          <p:nvPr/>
+        </p:nvPicPr>
+        <p:blipFill>
+          <a:blip r:embed="rId2">
+            <a:extLst>
+              <a:ext uri="{28A0092B-C50C-407E-A947-70E740481C1C}">
+                <a14:useLocalDpi xmlns:a14="http://schemas.microsoft.com/office/drawing/2010/main" val="0"/>
+              </a:ext>
+            </a:extLst>
+          </a:blip>
+          <a:stretch>
+            <a:fillRect/>
+          </a:stretch>
+        </p:blipFill>
+        <p:spPr>
+          <a:xfrm>
+            <a:off x="7075742" y="1012048"/>
+            <a:ext cx="4278058" cy="3009631"/>
+          </a:xfrm>
+          <a:prstGeom prst="rect">
+            <a:avLst/>
+          </a:prstGeom>
+        </p:spPr>
+      </p:pic>
+      <p:pic>
+        <p:nvPicPr>
+          <p:cNvPr id="11" name="Picture 10" descr="Chart, histogram&#10;&#10;Description automatically generated">
+            <a:extLst>
+              <a:ext uri="{FF2B5EF4-FFF2-40B4-BE49-F238E27FC236}">
+                <a16:creationId xmlns:a16="http://schemas.microsoft.com/office/drawing/2014/main" id="{2A4114B5-D1AD-438A-8CC7-8D0E7924961A}"/>
+              </a:ext>
+            </a:extLst>
+          </p:cNvPr>
+          <p:cNvPicPr>
+            <a:picLocks noChangeAspect="1"/>
+          </p:cNvPicPr>
+          <p:nvPr/>
+        </p:nvPicPr>
+        <p:blipFill>
+          <a:blip r:embed="rId3">
+            <a:extLst>
+              <a:ext uri="{28A0092B-C50C-407E-A947-70E740481C1C}">
+                <a14:useLocalDpi xmlns:a14="http://schemas.microsoft.com/office/drawing/2010/main" val="0"/>
+              </a:ext>
+            </a:extLst>
+          </a:blip>
+          <a:stretch>
+            <a:fillRect/>
+          </a:stretch>
+        </p:blipFill>
+        <p:spPr>
+          <a:xfrm>
+            <a:off x="1097757" y="1121398"/>
+            <a:ext cx="4609289" cy="3242654"/>
+          </a:xfrm>
+          <a:prstGeom prst="rect">
+            <a:avLst/>
+          </a:prstGeom>
+        </p:spPr>
+      </p:pic>
+      <p:sp>
+        <p:nvSpPr>
+          <p:cNvPr id="2" name="Title 1">
+            <a:extLst>
+              <a:ext uri="{FF2B5EF4-FFF2-40B4-BE49-F238E27FC236}">
+                <a16:creationId xmlns:a16="http://schemas.microsoft.com/office/drawing/2014/main" id="{418EA693-EDB6-47E2-9D3C-74843D34133A}"/>
+              </a:ext>
+            </a:extLst>
+          </p:cNvPr>
+          <p:cNvSpPr>
+            <a:spLocks noGrp="1"/>
+          </p:cNvSpPr>
+          <p:nvPr>
+            <p:ph type="title"/>
+          </p:nvPr>
+        </p:nvSpPr>
+        <p:spPr/>
+        <p:txBody>
+          <a:bodyPr/>
+          <a:lstStyle/>
+          <a:p>
+            <a:r>
+              <a:rPr lang="en-US" dirty="0"/>
+              <a:t>Wastewater/BU Cases Ratios</a:t>
+            </a:r>
+          </a:p>
+        </p:txBody>
+      </p:sp>
+      <p:pic>
+        <p:nvPicPr>
+          <p:cNvPr id="5" name="Picture 4" descr="Chart, histogram&#10;&#10;Description automatically generated">
+            <a:extLst>
+              <a:ext uri="{FF2B5EF4-FFF2-40B4-BE49-F238E27FC236}">
+                <a16:creationId xmlns:a16="http://schemas.microsoft.com/office/drawing/2014/main" id="{15A19EC9-1A90-4D7D-BBD1-E62BD2756EC3}"/>
+              </a:ext>
+            </a:extLst>
+          </p:cNvPr>
+          <p:cNvPicPr>
+            <a:picLocks noChangeAspect="1"/>
+          </p:cNvPicPr>
+          <p:nvPr/>
+        </p:nvPicPr>
+        <p:blipFill>
+          <a:blip r:embed="rId4">
+            <a:extLst>
+              <a:ext uri="{28A0092B-C50C-407E-A947-70E740481C1C}">
+                <a14:useLocalDpi xmlns:a14="http://schemas.microsoft.com/office/drawing/2010/main" val="0"/>
+              </a:ext>
+            </a:extLst>
+          </a:blip>
+          <a:stretch>
+            <a:fillRect/>
+          </a:stretch>
+        </p:blipFill>
+        <p:spPr>
+          <a:xfrm>
+            <a:off x="7211929" y="3794761"/>
+            <a:ext cx="4354258" cy="3063239"/>
+          </a:xfrm>
+          <a:prstGeom prst="rect">
+            <a:avLst/>
+          </a:prstGeom>
+        </p:spPr>
+      </p:pic>
+      <p:pic>
+        <p:nvPicPr>
+          <p:cNvPr id="9" name="Picture 8" descr="Chart, histogram&#10;&#10;Description automatically generated">
+            <a:extLst>
+              <a:ext uri="{FF2B5EF4-FFF2-40B4-BE49-F238E27FC236}">
+                <a16:creationId xmlns:a16="http://schemas.microsoft.com/office/drawing/2014/main" id="{807B081D-A42A-4394-8472-FED37022FEE9}"/>
+              </a:ext>
+            </a:extLst>
+          </p:cNvPr>
+          <p:cNvPicPr>
+            <a:picLocks noChangeAspect="1"/>
+          </p:cNvPicPr>
+          <p:nvPr/>
+        </p:nvPicPr>
+        <p:blipFill>
+          <a:blip r:embed="rId5">
+            <a:extLst>
+              <a:ext uri="{28A0092B-C50C-407E-A947-70E740481C1C}">
+                <a14:useLocalDpi xmlns:a14="http://schemas.microsoft.com/office/drawing/2010/main" val="0"/>
+              </a:ext>
+            </a:extLst>
+          </a:blip>
+          <a:stretch>
+            <a:fillRect/>
+          </a:stretch>
+        </p:blipFill>
+        <p:spPr>
+          <a:xfrm>
+            <a:off x="967978" y="3794761"/>
+            <a:ext cx="4868846" cy="3425253"/>
+          </a:xfrm>
+          <a:prstGeom prst="rect">
+            <a:avLst/>
+          </a:prstGeom>
+        </p:spPr>
+      </p:pic>
+    </p:spTree>
+    <p:extLst>
+      <p:ext uri="{BB962C8B-B14F-4D97-AF65-F5344CB8AC3E}">
+        <p14:creationId xmlns:p14="http://schemas.microsoft.com/office/powerpoint/2010/main" val="1465347910"/>
+      </p:ext>
+    </p:extLst>
+  </p:cSld>
+  <p:clrMapOvr>
+    <a:masterClrMapping/>
+  </p:clrMapOvr>
+</p:sld>
+</file>
+
+<file path=ppt/slides/slide25.xml><?xml version="1.0" encoding="utf-8"?>
+<p:sld xmlns:a="http://schemas.openxmlformats.org/drawingml/2006/main" xmlns:r="http://schemas.openxmlformats.org/officeDocument/2006/relationships" xmlns:p="http://schemas.openxmlformats.org/presentationml/2006/main">
+  <p:cSld>
+    <p:spTree>
+      <p:nvGrpSpPr>
+        <p:cNvPr id="1" name=""/>
+        <p:cNvGrpSpPr/>
+        <p:nvPr/>
+      </p:nvGrpSpPr>
+      <p:grpSpPr>
+        <a:xfrm>
+          <a:off x="0" y="0"/>
+          <a:ext cx="0" cy="0"/>
+          <a:chOff x="0" y="0"/>
+          <a:chExt cx="0" cy="0"/>
+        </a:xfrm>
+      </p:grpSpPr>
+      <p:sp>
+        <p:nvSpPr>
+          <p:cNvPr id="2" name="Title 1">
+            <a:extLst>
+              <a:ext uri="{FF2B5EF4-FFF2-40B4-BE49-F238E27FC236}">
+                <a16:creationId xmlns:a16="http://schemas.microsoft.com/office/drawing/2014/main" id="{66BA56ED-2F97-43E1-AF16-0BEBC1038073}"/>
+              </a:ext>
+            </a:extLst>
+          </p:cNvPr>
+          <p:cNvSpPr>
+            <a:spLocks noGrp="1"/>
+          </p:cNvSpPr>
+          <p:nvPr>
+            <p:ph type="title"/>
+          </p:nvPr>
+        </p:nvSpPr>
+        <p:spPr/>
+        <p:txBody>
+          <a:bodyPr/>
+          <a:lstStyle/>
+          <a:p>
+            <a:r>
+              <a:rPr lang="en-US" dirty="0"/>
+              <a:t>Ratio Densities</a:t>
+            </a:r>
+          </a:p>
+        </p:txBody>
+      </p:sp>
+      <p:pic>
+        <p:nvPicPr>
+          <p:cNvPr id="5" name="Picture 4" descr="Chart, histogram&#10;&#10;Description automatically generated">
+            <a:extLst>
+              <a:ext uri="{FF2B5EF4-FFF2-40B4-BE49-F238E27FC236}">
+                <a16:creationId xmlns:a16="http://schemas.microsoft.com/office/drawing/2014/main" id="{7BBE7860-40E4-44ED-845D-9932565B05A5}"/>
+              </a:ext>
+            </a:extLst>
+          </p:cNvPr>
+          <p:cNvPicPr>
+            <a:picLocks noChangeAspect="1"/>
+          </p:cNvPicPr>
+          <p:nvPr/>
+        </p:nvPicPr>
+        <p:blipFill>
+          <a:blip r:embed="rId2">
+            <a:extLst>
+              <a:ext uri="{28A0092B-C50C-407E-A947-70E740481C1C}">
+                <a14:useLocalDpi xmlns:a14="http://schemas.microsoft.com/office/drawing/2010/main" val="0"/>
+              </a:ext>
+            </a:extLst>
+          </a:blip>
+          <a:stretch>
+            <a:fillRect/>
+          </a:stretch>
+        </p:blipFill>
+        <p:spPr>
+          <a:xfrm>
+            <a:off x="2386634" y="1788934"/>
+            <a:ext cx="7068536" cy="4972744"/>
+          </a:xfrm>
+          <a:prstGeom prst="rect">
+            <a:avLst/>
+          </a:prstGeom>
+        </p:spPr>
+      </p:pic>
+    </p:spTree>
+    <p:extLst>
+      <p:ext uri="{BB962C8B-B14F-4D97-AF65-F5344CB8AC3E}">
+        <p14:creationId xmlns:p14="http://schemas.microsoft.com/office/powerpoint/2010/main" val="1493402838"/>
+      </p:ext>
+    </p:extLst>
+  </p:cSld>
+  <p:clrMapOvr>
+    <a:masterClrMapping/>
+  </p:clrMapOvr>
+</p:sld>
+</file>
+
+<file path=ppt/slides/slide26.xml><?xml version="1.0" encoding="utf-8"?>
+<p:sld xmlns:a="http://schemas.openxmlformats.org/drawingml/2006/main" xmlns:r="http://schemas.openxmlformats.org/officeDocument/2006/relationships" xmlns:p="http://schemas.openxmlformats.org/presentationml/2006/main">
+  <p:cSld>
+    <p:spTree>
+      <p:nvGrpSpPr>
+        <p:cNvPr id="1" name=""/>
+        <p:cNvGrpSpPr/>
+        <p:nvPr/>
+      </p:nvGrpSpPr>
+      <p:grpSpPr>
+        <a:xfrm>
+          <a:off x="0" y="0"/>
+          <a:ext cx="0" cy="0"/>
+          <a:chOff x="0" y="0"/>
+          <a:chExt cx="0" cy="0"/>
+        </a:xfrm>
+      </p:grpSpPr>
+      <p:pic>
+        <p:nvPicPr>
+          <p:cNvPr id="5" name="Picture 4">
+            <a:extLst>
+              <a:ext uri="{FF2B5EF4-FFF2-40B4-BE49-F238E27FC236}">
+                <a16:creationId xmlns:a16="http://schemas.microsoft.com/office/drawing/2014/main" id="{4564C2A0-1910-4970-A9F5-90CB43169204}"/>
+              </a:ext>
+            </a:extLst>
+          </p:cNvPr>
+          <p:cNvPicPr>
+            <a:picLocks noChangeAspect="1"/>
+          </p:cNvPicPr>
+          <p:nvPr/>
+        </p:nvPicPr>
+        <p:blipFill>
+          <a:blip r:embed="rId2"/>
+          <a:stretch>
+            <a:fillRect/>
+          </a:stretch>
+        </p:blipFill>
+        <p:spPr>
+          <a:xfrm>
+            <a:off x="351816" y="2613542"/>
+            <a:ext cx="11488366" cy="3809788"/>
+          </a:xfrm>
+          <a:prstGeom prst="rect">
+            <a:avLst/>
+          </a:prstGeom>
+        </p:spPr>
+      </p:pic>
+      <p:sp>
+        <p:nvSpPr>
+          <p:cNvPr id="2" name="Title 1">
+            <a:extLst>
+              <a:ext uri="{FF2B5EF4-FFF2-40B4-BE49-F238E27FC236}">
+                <a16:creationId xmlns:a16="http://schemas.microsoft.com/office/drawing/2014/main" id="{AF58B6AC-E9CA-485C-9F67-7969C31D708C}"/>
+              </a:ext>
+            </a:extLst>
+          </p:cNvPr>
+          <p:cNvSpPr>
+            <a:spLocks noGrp="1"/>
+          </p:cNvSpPr>
+          <p:nvPr>
+            <p:ph type="title"/>
+          </p:nvPr>
+        </p:nvSpPr>
+        <p:spPr/>
+        <p:txBody>
+          <a:bodyPr/>
+          <a:lstStyle/>
+          <a:p>
+            <a:r>
+              <a:rPr lang="en-US" dirty="0"/>
+              <a:t>Interesting Things </a:t>
+            </a:r>
+          </a:p>
+        </p:txBody>
+      </p:sp>
+      <p:pic>
+        <p:nvPicPr>
+          <p:cNvPr id="7" name="Picture 6">
+            <a:extLst>
+              <a:ext uri="{FF2B5EF4-FFF2-40B4-BE49-F238E27FC236}">
+                <a16:creationId xmlns:a16="http://schemas.microsoft.com/office/drawing/2014/main" id="{F88C2353-DE32-4857-B51D-312C8304FC37}"/>
+              </a:ext>
+            </a:extLst>
+          </p:cNvPr>
+          <p:cNvPicPr>
+            <a:picLocks noChangeAspect="1"/>
+          </p:cNvPicPr>
+          <p:nvPr/>
+        </p:nvPicPr>
+        <p:blipFill>
+          <a:blip r:embed="rId3"/>
+          <a:stretch>
+            <a:fillRect/>
+          </a:stretch>
+        </p:blipFill>
+        <p:spPr>
+          <a:xfrm>
+            <a:off x="5235304" y="275607"/>
+            <a:ext cx="2888709" cy="2682373"/>
+          </a:xfrm>
+          <a:prstGeom prst="rect">
+            <a:avLst/>
+          </a:prstGeom>
+        </p:spPr>
+      </p:pic>
+    </p:spTree>
+    <p:extLst>
+      <p:ext uri="{BB962C8B-B14F-4D97-AF65-F5344CB8AC3E}">
+        <p14:creationId xmlns:p14="http://schemas.microsoft.com/office/powerpoint/2010/main" val="3426202900"/>
+      </p:ext>
+    </p:extLst>
+  </p:cSld>
+  <p:clrMapOvr>
+    <a:masterClrMapping/>
+  </p:clrMapOvr>
+</p:sld>
+</file>
+
+<file path=ppt/slides/slide27.xml><?xml version="1.0" encoding="utf-8"?>
+<p:sld xmlns:a="http://schemas.openxmlformats.org/drawingml/2006/main" xmlns:r="http://schemas.openxmlformats.org/officeDocument/2006/relationships" xmlns:p="http://schemas.openxmlformats.org/presentationml/2006/main">
+  <p:cSld>
+    <p:spTree>
+      <p:nvGrpSpPr>
+        <p:cNvPr id="1" name=""/>
+        <p:cNvGrpSpPr/>
+        <p:nvPr/>
+      </p:nvGrpSpPr>
+      <p:grpSpPr>
+        <a:xfrm>
+          <a:off x="0" y="0"/>
+          <a:ext cx="0" cy="0"/>
+          <a:chOff x="0" y="0"/>
+          <a:chExt cx="0" cy="0"/>
+        </a:xfrm>
+      </p:grpSpPr>
+      <p:sp>
+        <p:nvSpPr>
+          <p:cNvPr id="2" name="Title 1">
+            <a:extLst>
+              <a:ext uri="{FF2B5EF4-FFF2-40B4-BE49-F238E27FC236}">
+                <a16:creationId xmlns:a16="http://schemas.microsoft.com/office/drawing/2014/main" id="{A64F6EC2-1EE3-4BC9-9D3D-6346409193C1}"/>
+              </a:ext>
+            </a:extLst>
+          </p:cNvPr>
+          <p:cNvSpPr>
+            <a:spLocks noGrp="1"/>
+          </p:cNvSpPr>
+          <p:nvPr>
+            <p:ph type="title"/>
+          </p:nvPr>
+        </p:nvSpPr>
+        <p:spPr/>
+        <p:txBody>
+          <a:bodyPr/>
+          <a:lstStyle/>
+          <a:p>
+            <a:endParaRPr lang="en-US"/>
+          </a:p>
+        </p:txBody>
+      </p:sp>
+      <p:sp>
+        <p:nvSpPr>
+          <p:cNvPr id="3" name="Content Placeholder 2">
+            <a:extLst>
+              <a:ext uri="{FF2B5EF4-FFF2-40B4-BE49-F238E27FC236}">
+                <a16:creationId xmlns:a16="http://schemas.microsoft.com/office/drawing/2014/main" id="{99525F75-0B5C-4F36-B169-6E2D08E3C565}"/>
+              </a:ext>
+            </a:extLst>
+          </p:cNvPr>
+          <p:cNvSpPr>
+            <a:spLocks noGrp="1"/>
+          </p:cNvSpPr>
+          <p:nvPr>
+            <p:ph idx="1"/>
+          </p:nvPr>
+        </p:nvSpPr>
+        <p:spPr/>
+        <p:txBody>
+          <a:bodyPr/>
+          <a:lstStyle/>
+          <a:p>
+            <a:endParaRPr lang="en-US"/>
+          </a:p>
+        </p:txBody>
+      </p:sp>
+    </p:spTree>
+    <p:extLst>
+      <p:ext uri="{BB962C8B-B14F-4D97-AF65-F5344CB8AC3E}">
+        <p14:creationId xmlns:p14="http://schemas.microsoft.com/office/powerpoint/2010/main" val="2066561512"/>
       </p:ext>
     </p:extLst>
   </p:cSld>
@@ -4929,7 +7266,7 @@
           <p:cNvPr id="2" name="Title 1">
             <a:extLst>
               <a:ext uri="{FF2B5EF4-FFF2-40B4-BE49-F238E27FC236}">
-                <a16:creationId xmlns:a16="http://schemas.microsoft.com/office/drawing/2014/main" id="{B896ECEA-2EB3-4848-8E4E-216F764A2765}"/>
+                <a16:creationId xmlns:a16="http://schemas.microsoft.com/office/drawing/2014/main" id="{44C7B9DE-55C6-4099-B025-BEA504B501CD}"/>
               </a:ext>
             </a:extLst>
           </p:cNvPr>
@@ -4947,51 +7284,339 @@
           <a:p>
             <a:r>
               <a:rPr lang="en-US" dirty="0"/>
-              <a:t>BU Covid Cases</a:t>
-            </a:r>
-          </a:p>
-        </p:txBody>
-      </p:sp>
-      <p:pic>
-        <p:nvPicPr>
-          <p:cNvPr id="5" name="Picture 4" descr="Chart, histogram&#10;&#10;Description automatically generated">
-            <a:extLst>
-              <a:ext uri="{FF2B5EF4-FFF2-40B4-BE49-F238E27FC236}">
-                <a16:creationId xmlns:a16="http://schemas.microsoft.com/office/drawing/2014/main" id="{29DA7DDD-3722-42D8-B5D3-2F357BDC30B2}"/>
-              </a:ext>
-            </a:extLst>
-          </p:cNvPr>
-          <p:cNvPicPr>
-            <a:picLocks noChangeAspect="1"/>
-          </p:cNvPicPr>
-          <p:nvPr/>
-        </p:nvPicPr>
-        <p:blipFill>
-          <a:blip r:embed="rId2">
-            <a:extLst>
-              <a:ext uri="{28A0092B-C50C-407E-A947-70E740481C1C}">
-                <a14:useLocalDpi xmlns:a14="http://schemas.microsoft.com/office/drawing/2010/main" val="0"/>
-              </a:ext>
-            </a:extLst>
-          </a:blip>
-          <a:stretch>
-            <a:fillRect/>
-          </a:stretch>
-        </p:blipFill>
-        <p:spPr>
-          <a:xfrm>
-            <a:off x="1224405" y="1402598"/>
-            <a:ext cx="9743190" cy="5450538"/>
-          </a:xfrm>
-          <a:prstGeom prst="rect">
-            <a:avLst/>
-          </a:prstGeom>
-        </p:spPr>
-      </p:pic>
+              <a:t>Distributed Lag Methods</a:t>
+            </a:r>
+          </a:p>
+        </p:txBody>
+      </p:sp>
+      <mc:AlternateContent xmlns:mc="http://schemas.openxmlformats.org/markup-compatibility/2006" xmlns:a14="http://schemas.microsoft.com/office/drawing/2010/main">
+        <mc:Choice Requires="a14">
+          <p:sp>
+            <p:nvSpPr>
+              <p:cNvPr id="3" name="Content Placeholder 2">
+                <a:extLst>
+                  <a:ext uri="{FF2B5EF4-FFF2-40B4-BE49-F238E27FC236}">
+                    <a16:creationId xmlns:a16="http://schemas.microsoft.com/office/drawing/2014/main" id="{E2836DBB-9D47-4906-A7C3-3780477E917E}"/>
+                  </a:ext>
+                </a:extLst>
+              </p:cNvPr>
+              <p:cNvSpPr>
+                <a:spLocks noGrp="1"/>
+              </p:cNvSpPr>
+              <p:nvPr>
+                <p:ph idx="1"/>
+              </p:nvPr>
+            </p:nvSpPr>
+            <p:spPr/>
+            <p:txBody>
+              <a:bodyPr/>
+              <a:lstStyle/>
+              <a:p>
+                <a:endParaRPr lang="en-US" dirty="0"/>
+              </a:p>
+              <a:p>
+                <a14:m>
+                  <m:oMath xmlns:m="http://schemas.openxmlformats.org/officeDocument/2006/math">
+                    <m:sSub>
+                      <m:sSubPr>
+                        <m:ctrlPr>
+                          <a:rPr lang="en-US" b="0" i="1" dirty="0" smtClean="0">
+                            <a:latin typeface="Cambria Math" panose="02040503050406030204" pitchFamily="18" charset="0"/>
+                          </a:rPr>
+                        </m:ctrlPr>
+                      </m:sSubPr>
+                      <m:e>
+                        <m:acc>
+                          <m:accPr>
+                            <m:chr m:val="̂"/>
+                            <m:ctrlPr>
+                              <a:rPr lang="en-US" b="0" i="1" smtClean="0">
+                                <a:latin typeface="Cambria Math" panose="02040503050406030204" pitchFamily="18" charset="0"/>
+                              </a:rPr>
+                            </m:ctrlPr>
+                          </m:accPr>
+                          <m:e>
+                            <m:r>
+                              <a:rPr lang="en-US" b="0" i="1" smtClean="0">
+                                <a:latin typeface="Cambria Math" panose="02040503050406030204" pitchFamily="18" charset="0"/>
+                              </a:rPr>
+                              <m:t>𝑌</m:t>
+                            </m:r>
+                          </m:e>
+                        </m:acc>
+                      </m:e>
+                      <m:sub>
+                        <m:r>
+                          <a:rPr lang="en-US" b="0" i="1" dirty="0" smtClean="0">
+                            <a:latin typeface="Cambria Math" panose="02040503050406030204" pitchFamily="18" charset="0"/>
+                          </a:rPr>
+                          <m:t>𝑡</m:t>
+                        </m:r>
+                      </m:sub>
+                    </m:sSub>
+                    <m:r>
+                      <a:rPr lang="en-US" b="0" i="1" dirty="0" smtClean="0">
+                        <a:latin typeface="Cambria Math" panose="02040503050406030204" pitchFamily="18" charset="0"/>
+                      </a:rPr>
+                      <m:t>=</m:t>
+                    </m:r>
+                    <m:r>
+                      <a:rPr lang="en-US" b="0" i="1" dirty="0" smtClean="0">
+                        <a:latin typeface="Cambria Math" panose="02040503050406030204" pitchFamily="18" charset="0"/>
+                      </a:rPr>
+                      <m:t>𝛼</m:t>
+                    </m:r>
+                    <m:r>
+                      <a:rPr lang="en-US" b="0" i="1" dirty="0" smtClean="0">
+                        <a:latin typeface="Cambria Math" panose="02040503050406030204" pitchFamily="18" charset="0"/>
+                      </a:rPr>
+                      <m:t>+</m:t>
+                    </m:r>
+                    <m:nary>
+                      <m:naryPr>
+                        <m:chr m:val="∑"/>
+                        <m:ctrlPr>
+                          <a:rPr lang="en-US" b="0" i="1" dirty="0" smtClean="0">
+                            <a:latin typeface="Cambria Math" panose="02040503050406030204" pitchFamily="18" charset="0"/>
+                          </a:rPr>
+                        </m:ctrlPr>
+                      </m:naryPr>
+                      <m:sub>
+                        <m:r>
+                          <a:rPr lang="en-US" b="0" i="1" dirty="0" smtClean="0">
+                            <a:latin typeface="Cambria Math" panose="02040503050406030204" pitchFamily="18" charset="0"/>
+                          </a:rPr>
+                          <m:t>𝑠</m:t>
+                        </m:r>
+                        <m:r>
+                          <a:rPr lang="en-US" b="0" i="1" dirty="0" smtClean="0">
+                            <a:latin typeface="Cambria Math" panose="02040503050406030204" pitchFamily="18" charset="0"/>
+                          </a:rPr>
+                          <m:t>=0</m:t>
+                        </m:r>
+                      </m:sub>
+                      <m:sup>
+                        <m:r>
+                          <a:rPr lang="en-US" b="0" i="1" dirty="0" smtClean="0">
+                            <a:latin typeface="Cambria Math" panose="02040503050406030204" pitchFamily="18" charset="0"/>
+                          </a:rPr>
+                          <m:t>𝑞</m:t>
+                        </m:r>
+                      </m:sup>
+                      <m:e>
+                        <m:sSub>
+                          <m:sSubPr>
+                            <m:ctrlPr>
+                              <a:rPr lang="en-US" b="0" i="1" dirty="0" smtClean="0">
+                                <a:latin typeface="Cambria Math" panose="02040503050406030204" pitchFamily="18" charset="0"/>
+                              </a:rPr>
+                            </m:ctrlPr>
+                          </m:sSubPr>
+                          <m:e>
+                            <m:r>
+                              <a:rPr lang="en-US" b="0" i="1" dirty="0" smtClean="0">
+                                <a:latin typeface="Cambria Math" panose="02040503050406030204" pitchFamily="18" charset="0"/>
+                              </a:rPr>
+                              <m:t>𝛽</m:t>
+                            </m:r>
+                          </m:e>
+                          <m:sub>
+                            <m:r>
+                              <a:rPr lang="en-US" b="0" i="1" dirty="0" smtClean="0">
+                                <a:latin typeface="Cambria Math" panose="02040503050406030204" pitchFamily="18" charset="0"/>
+                              </a:rPr>
+                              <m:t>𝑠</m:t>
+                            </m:r>
+                          </m:sub>
+                        </m:sSub>
+                        <m:sSub>
+                          <m:sSubPr>
+                            <m:ctrlPr>
+                              <a:rPr lang="en-US" b="0" i="1" dirty="0" smtClean="0">
+                                <a:latin typeface="Cambria Math" panose="02040503050406030204" pitchFamily="18" charset="0"/>
+                              </a:rPr>
+                            </m:ctrlPr>
+                          </m:sSubPr>
+                          <m:e>
+                            <m:r>
+                              <a:rPr lang="en-US" b="0" i="1" dirty="0" smtClean="0">
+                                <a:latin typeface="Cambria Math" panose="02040503050406030204" pitchFamily="18" charset="0"/>
+                              </a:rPr>
+                              <m:t>𝑋</m:t>
+                            </m:r>
+                          </m:e>
+                          <m:sub>
+                            <m:r>
+                              <a:rPr lang="en-US" b="0" i="1" dirty="0" smtClean="0">
+                                <a:latin typeface="Cambria Math" panose="02040503050406030204" pitchFamily="18" charset="0"/>
+                              </a:rPr>
+                              <m:t>𝑡</m:t>
+                            </m:r>
+                            <m:r>
+                              <a:rPr lang="en-US" b="0" i="1" dirty="0" smtClean="0">
+                                <a:latin typeface="Cambria Math" panose="02040503050406030204" pitchFamily="18" charset="0"/>
+                              </a:rPr>
+                              <m:t>−</m:t>
+                            </m:r>
+                            <m:r>
+                              <a:rPr lang="en-US" b="0" i="1" dirty="0" smtClean="0">
+                                <a:latin typeface="Cambria Math" panose="02040503050406030204" pitchFamily="18" charset="0"/>
+                              </a:rPr>
+                              <m:t>𝑠</m:t>
+                            </m:r>
+                            <m:r>
+                              <a:rPr lang="en-US" b="0" i="1" dirty="0" smtClean="0">
+                                <a:latin typeface="Cambria Math" panose="02040503050406030204" pitchFamily="18" charset="0"/>
+                              </a:rPr>
+                              <m:t> </m:t>
+                            </m:r>
+                          </m:sub>
+                        </m:sSub>
+                        <m:r>
+                          <a:rPr lang="en-US" b="0" i="1" dirty="0" smtClean="0">
+                            <a:latin typeface="Cambria Math" panose="02040503050406030204" pitchFamily="18" charset="0"/>
+                          </a:rPr>
+                          <m:t> </m:t>
+                        </m:r>
+                      </m:e>
+                    </m:nary>
+                    <m:r>
+                      <a:rPr lang="en-US" i="1" dirty="0">
+                        <a:latin typeface="Cambria Math" panose="02040503050406030204" pitchFamily="18" charset="0"/>
+                      </a:rPr>
+                      <m:t>+</m:t>
+                    </m:r>
+                    <m:sSub>
+                      <m:sSubPr>
+                        <m:ctrlPr>
+                          <a:rPr lang="en-US" b="0" i="1" dirty="0" smtClean="0">
+                            <a:latin typeface="Cambria Math" panose="02040503050406030204" pitchFamily="18" charset="0"/>
+                          </a:rPr>
+                        </m:ctrlPr>
+                      </m:sSubPr>
+                      <m:e>
+                        <m:r>
+                          <a:rPr lang="en-US" b="0" i="1" dirty="0" smtClean="0">
+                            <a:latin typeface="Cambria Math" panose="02040503050406030204" pitchFamily="18" charset="0"/>
+                          </a:rPr>
+                          <m:t>𝜖</m:t>
+                        </m:r>
+                      </m:e>
+                      <m:sub>
+                        <m:r>
+                          <a:rPr lang="en-US" b="0" i="1" dirty="0" smtClean="0">
+                            <a:latin typeface="Cambria Math" panose="02040503050406030204" pitchFamily="18" charset="0"/>
+                          </a:rPr>
+                          <m:t>𝑡</m:t>
+                        </m:r>
+                      </m:sub>
+                    </m:sSub>
+                  </m:oMath>
+                </a14:m>
+                <a:r>
+                  <a:rPr lang="en-US" dirty="0"/>
+                  <a:t> </a:t>
+                </a:r>
+              </a:p>
+              <a:p>
+                <a:endParaRPr lang="en-US" dirty="0"/>
+              </a:p>
+              <a:p>
+                <a14:m>
+                  <m:oMath xmlns:m="http://schemas.openxmlformats.org/officeDocument/2006/math">
+                    <m:r>
+                      <a:rPr lang="en-US" b="0" i="1" smtClean="0">
+                        <a:latin typeface="Cambria Math" panose="02040503050406030204" pitchFamily="18" charset="0"/>
+                      </a:rPr>
+                      <m:t>𝑞</m:t>
+                    </m:r>
+                  </m:oMath>
+                </a14:m>
+                <a:r>
+                  <a:rPr lang="en-US" dirty="0"/>
+                  <a:t>: the period of the moving-average representation </a:t>
+                </a:r>
+              </a:p>
+              <a:p>
+                <a:endParaRPr lang="en-US" dirty="0"/>
+              </a:p>
+              <a:p>
+                <a:r>
+                  <a:rPr lang="en-US" dirty="0"/>
+                  <a:t>Assumptions : </a:t>
+                </a:r>
+              </a:p>
+              <a:p>
+                <a:pPr lvl="1"/>
+                <a:r>
+                  <a:rPr lang="en-US" dirty="0"/>
+                  <a:t>Stationary </a:t>
+                </a:r>
+              </a:p>
+              <a:p>
+                <a:pPr lvl="1"/>
+                <a14:m>
+                  <m:oMath xmlns:m="http://schemas.openxmlformats.org/officeDocument/2006/math">
+                    <m:r>
+                      <a:rPr lang="en-US" b="0" i="1" smtClean="0">
+                        <a:latin typeface="Cambria Math" panose="02040503050406030204" pitchFamily="18" charset="0"/>
+                      </a:rPr>
+                      <m:t>𝑞</m:t>
+                    </m:r>
+                  </m:oMath>
+                </a14:m>
+                <a:r>
+                  <a:rPr lang="en-US" dirty="0"/>
+                  <a:t> is finite </a:t>
+                </a:r>
+              </a:p>
+            </p:txBody>
+          </p:sp>
+        </mc:Choice>
+        <mc:Fallback xmlns="">
+          <p:sp>
+            <p:nvSpPr>
+              <p:cNvPr id="3" name="Content Placeholder 2">
+                <a:extLst>
+                  <a:ext uri="{FF2B5EF4-FFF2-40B4-BE49-F238E27FC236}">
+                    <a16:creationId xmlns:a16="http://schemas.microsoft.com/office/drawing/2014/main" id="{E2836DBB-9D47-4906-A7C3-3780477E917E}"/>
+                  </a:ext>
+                </a:extLst>
+              </p:cNvPr>
+              <p:cNvSpPr>
+                <a:spLocks noGrp="1" noRot="1" noChangeAspect="1" noMove="1" noResize="1" noEditPoints="1" noAdjustHandles="1" noChangeArrowheads="1" noChangeShapeType="1" noTextEdit="1"/>
+              </p:cNvSpPr>
+              <p:nvPr>
+                <p:ph idx="1"/>
+              </p:nvPr>
+            </p:nvSpPr>
+            <p:spPr>
+              <a:blipFill>
+                <a:blip r:embed="rId2"/>
+                <a:stretch>
+                  <a:fillRect l="-1043"/>
+                </a:stretch>
+              </a:blipFill>
+            </p:spPr>
+            <p:txBody>
+              <a:bodyPr/>
+              <a:lstStyle/>
+              <a:p>
+                <a:r>
+                  <a:rPr lang="en-US">
+                    <a:noFill/>
+                  </a:rPr>
+                  <a:t> </a:t>
+                </a:r>
+              </a:p>
+            </p:txBody>
+          </p:sp>
+        </mc:Fallback>
+      </mc:AlternateContent>
     </p:spTree>
     <p:extLst>
       <p:ext uri="{BB962C8B-B14F-4D97-AF65-F5344CB8AC3E}">
-        <p14:creationId xmlns:p14="http://schemas.microsoft.com/office/powerpoint/2010/main" val="2020442944"/>
+        <p14:creationId xmlns:p14="http://schemas.microsoft.com/office/powerpoint/2010/main" val="3748303808"/>
       </p:ext>
     </p:extLst>
   </p:cSld>
